--- a/báo cáo.pptx
+++ b/báo cáo.pptx
@@ -5,11 +5,12 @@
     <p:sldMasterId id="2147483660" r:id="rId1"/>
   </p:sldMasterIdLst>
   <p:sldIdLst>
-    <p:sldId id="256" r:id="rId2"/>
-    <p:sldId id="257" r:id="rId3"/>
-    <p:sldId id="260" r:id="rId4"/>
-    <p:sldId id="259" r:id="rId5"/>
-    <p:sldId id="261" r:id="rId6"/>
+    <p:sldId id="262" r:id="rId2"/>
+    <p:sldId id="256" r:id="rId3"/>
+    <p:sldId id="257" r:id="rId4"/>
+    <p:sldId id="260" r:id="rId5"/>
+    <p:sldId id="259" r:id="rId6"/>
+    <p:sldId id="261" r:id="rId7"/>
   </p:sldIdLst>
   <p:sldSz cx="12192000" cy="6858000"/>
   <p:notesSz cx="6858000" cy="9144000"/>
@@ -318,7 +319,7 @@
           <a:p>
             <a:fld id="{3483A257-2E67-47C9-841E-00B2F780F41E}" type="datetimeFigureOut">
               <a:rPr lang="vi-VN" smtClean="0"/>
-              <a:t>09/12/2020</a:t>
+              <a:t>11/12/2020</a:t>
             </a:fld>
             <a:endParaRPr lang="vi-VN"/>
           </a:p>
@@ -754,7 +755,7 @@
           <a:p>
             <a:fld id="{3483A257-2E67-47C9-841E-00B2F780F41E}" type="datetimeFigureOut">
               <a:rPr lang="vi-VN" smtClean="0"/>
-              <a:t>09/12/2020</a:t>
+              <a:t>11/12/2020</a:t>
             </a:fld>
             <a:endParaRPr lang="vi-VN"/>
           </a:p>
@@ -1004,7 +1005,7 @@
           <a:p>
             <a:fld id="{3483A257-2E67-47C9-841E-00B2F780F41E}" type="datetimeFigureOut">
               <a:rPr lang="vi-VN" smtClean="0"/>
-              <a:t>09/12/2020</a:t>
+              <a:t>11/12/2020</a:t>
             </a:fld>
             <a:endParaRPr lang="vi-VN"/>
           </a:p>
@@ -1312,7 +1313,7 @@
           <a:p>
             <a:fld id="{3483A257-2E67-47C9-841E-00B2F780F41E}" type="datetimeFigureOut">
               <a:rPr lang="vi-VN" smtClean="0"/>
-              <a:t>09/12/2020</a:t>
+              <a:t>11/12/2020</a:t>
             </a:fld>
             <a:endParaRPr lang="vi-VN"/>
           </a:p>
@@ -1630,7 +1631,7 @@
           <a:p>
             <a:fld id="{3483A257-2E67-47C9-841E-00B2F780F41E}" type="datetimeFigureOut">
               <a:rPr lang="vi-VN" smtClean="0"/>
-              <a:t>09/12/2020</a:t>
+              <a:t>11/12/2020</a:t>
             </a:fld>
             <a:endParaRPr lang="vi-VN"/>
           </a:p>
@@ -1932,7 +1933,7 @@
           <a:p>
             <a:fld id="{3483A257-2E67-47C9-841E-00B2F780F41E}" type="datetimeFigureOut">
               <a:rPr lang="vi-VN" smtClean="0"/>
-              <a:t>09/12/2020</a:t>
+              <a:t>11/12/2020</a:t>
             </a:fld>
             <a:endParaRPr lang="vi-VN"/>
           </a:p>
@@ -2299,7 +2300,7 @@
           <a:p>
             <a:fld id="{3483A257-2E67-47C9-841E-00B2F780F41E}" type="datetimeFigureOut">
               <a:rPr lang="vi-VN" smtClean="0"/>
-              <a:t>09/12/2020</a:t>
+              <a:t>11/12/2020</a:t>
             </a:fld>
             <a:endParaRPr lang="vi-VN"/>
           </a:p>
@@ -2473,7 +2474,7 @@
           <a:p>
             <a:fld id="{3483A257-2E67-47C9-841E-00B2F780F41E}" type="datetimeFigureOut">
               <a:rPr lang="vi-VN" smtClean="0"/>
-              <a:t>09/12/2020</a:t>
+              <a:t>11/12/2020</a:t>
             </a:fld>
             <a:endParaRPr lang="vi-VN"/>
           </a:p>
@@ -2653,7 +2654,7 @@
           <a:p>
             <a:fld id="{3483A257-2E67-47C9-841E-00B2F780F41E}" type="datetimeFigureOut">
               <a:rPr lang="vi-VN" smtClean="0"/>
-              <a:t>09/12/2020</a:t>
+              <a:t>11/12/2020</a:t>
             </a:fld>
             <a:endParaRPr lang="vi-VN"/>
           </a:p>
@@ -2823,7 +2824,7 @@
           <a:p>
             <a:fld id="{3483A257-2E67-47C9-841E-00B2F780F41E}" type="datetimeFigureOut">
               <a:rPr lang="vi-VN" smtClean="0"/>
-              <a:t>09/12/2020</a:t>
+              <a:t>11/12/2020</a:t>
             </a:fld>
             <a:endParaRPr lang="vi-VN"/>
           </a:p>
@@ -3073,7 +3074,7 @@
           <a:p>
             <a:fld id="{3483A257-2E67-47C9-841E-00B2F780F41E}" type="datetimeFigureOut">
               <a:rPr lang="vi-VN" smtClean="0"/>
-              <a:t>09/12/2020</a:t>
+              <a:t>11/12/2020</a:t>
             </a:fld>
             <a:endParaRPr lang="vi-VN"/>
           </a:p>
@@ -3309,7 +3310,7 @@
           <a:p>
             <a:fld id="{3483A257-2E67-47C9-841E-00B2F780F41E}" type="datetimeFigureOut">
               <a:rPr lang="vi-VN" smtClean="0"/>
-              <a:t>09/12/2020</a:t>
+              <a:t>11/12/2020</a:t>
             </a:fld>
             <a:endParaRPr lang="vi-VN"/>
           </a:p>
@@ -3691,7 +3692,7 @@
           <a:p>
             <a:fld id="{3483A257-2E67-47C9-841E-00B2F780F41E}" type="datetimeFigureOut">
               <a:rPr lang="vi-VN" smtClean="0"/>
-              <a:t>09/12/2020</a:t>
+              <a:t>11/12/2020</a:t>
             </a:fld>
             <a:endParaRPr lang="vi-VN"/>
           </a:p>
@@ -3809,7 +3810,7 @@
           <a:p>
             <a:fld id="{3483A257-2E67-47C9-841E-00B2F780F41E}" type="datetimeFigureOut">
               <a:rPr lang="vi-VN" smtClean="0"/>
-              <a:t>09/12/2020</a:t>
+              <a:t>11/12/2020</a:t>
             </a:fld>
             <a:endParaRPr lang="vi-VN"/>
           </a:p>
@@ -3904,7 +3905,7 @@
           <a:p>
             <a:fld id="{3483A257-2E67-47C9-841E-00B2F780F41E}" type="datetimeFigureOut">
               <a:rPr lang="vi-VN" smtClean="0"/>
-              <a:t>09/12/2020</a:t>
+              <a:t>11/12/2020</a:t>
             </a:fld>
             <a:endParaRPr lang="vi-VN"/>
           </a:p>
@@ -4159,7 +4160,7 @@
           <a:p>
             <a:fld id="{3483A257-2E67-47C9-841E-00B2F780F41E}" type="datetimeFigureOut">
               <a:rPr lang="vi-VN" smtClean="0"/>
-              <a:t>09/12/2020</a:t>
+              <a:t>11/12/2020</a:t>
             </a:fld>
             <a:endParaRPr lang="vi-VN"/>
           </a:p>
@@ -4442,7 +4443,7 @@
           <a:p>
             <a:fld id="{3483A257-2E67-47C9-841E-00B2F780F41E}" type="datetimeFigureOut">
               <a:rPr lang="vi-VN" smtClean="0"/>
-              <a:t>09/12/2020</a:t>
+              <a:t>11/12/2020</a:t>
             </a:fld>
             <a:endParaRPr lang="vi-VN"/>
           </a:p>
@@ -4848,7 +4849,7 @@
           <a:p>
             <a:fld id="{3483A257-2E67-47C9-841E-00B2F780F41E}" type="datetimeFigureOut">
               <a:rPr lang="vi-VN" smtClean="0"/>
-              <a:t>09/12/2020</a:t>
+              <a:t>11/12/2020</a:t>
             </a:fld>
             <a:endParaRPr lang="vi-VN"/>
           </a:p>
@@ -5369,6 +5370,14 @@
 <file path=ppt/slides/slide1.xml><?xml version="1.0" encoding="utf-8"?>
 <p:sld xmlns:a="http://schemas.openxmlformats.org/drawingml/2006/main" xmlns:r="http://schemas.openxmlformats.org/officeDocument/2006/relationships" xmlns:p="http://schemas.openxmlformats.org/presentationml/2006/main">
   <p:cSld>
+    <p:bg>
+      <p:bgPr>
+        <a:solidFill>
+          <a:srgbClr val="FFFF00"/>
+        </a:solidFill>
+        <a:effectLst/>
+      </p:bgPr>
+    </p:bg>
     <p:spTree>
       <p:nvGrpSpPr>
         <p:cNvPr id="1" name=""/>
@@ -5414,6 +5423,12 @@
             <a:pPr algn="ctr"/>
             <a:r>
               <a:rPr lang="en-US" sz="4000" dirty="0">
+                <a:solidFill>
+                  <a:schemeClr val="bg1">
+                    <a:lumMod val="65000"/>
+                    <a:lumOff val="35000"/>
+                  </a:schemeClr>
+                </a:solidFill>
                 <a:latin typeface="Arial" panose="020B0604020202020204" pitchFamily="34" charset="0"/>
                 <a:cs typeface="Arial" panose="020B0604020202020204" pitchFamily="34" charset="0"/>
               </a:rPr>
@@ -5421,18 +5436,36 @@
             </a:r>
             <a:br>
               <a:rPr lang="en-US" sz="4000" dirty="0">
+                <a:solidFill>
+                  <a:schemeClr val="bg1">
+                    <a:lumMod val="65000"/>
+                    <a:lumOff val="35000"/>
+                  </a:schemeClr>
+                </a:solidFill>
                 <a:latin typeface="Arial" panose="020B0604020202020204" pitchFamily="34" charset="0"/>
                 <a:cs typeface="Arial" panose="020B0604020202020204" pitchFamily="34" charset="0"/>
               </a:rPr>
             </a:br>
             <a:r>
               <a:rPr lang="en-US" sz="4000" dirty="0">
+                <a:solidFill>
+                  <a:schemeClr val="bg1">
+                    <a:lumMod val="65000"/>
+                    <a:lumOff val="35000"/>
+                  </a:schemeClr>
+                </a:solidFill>
                 <a:latin typeface="Arial" panose="020B0604020202020204" pitchFamily="34" charset="0"/>
                 <a:cs typeface="Arial" panose="020B0604020202020204" pitchFamily="34" charset="0"/>
               </a:rPr>
               <a:t>TRÊN TẬP DỮ LIỆU BIKE-SHARING </a:t>
             </a:r>
             <a:endParaRPr lang="vi-VN" sz="4000" dirty="0">
+              <a:solidFill>
+                <a:schemeClr val="bg1">
+                  <a:lumMod val="65000"/>
+                  <a:lumOff val="35000"/>
+                </a:schemeClr>
+              </a:solidFill>
               <a:latin typeface="Arial" panose="020B0604020202020204" pitchFamily="34" charset="0"/>
               <a:cs typeface="Arial" panose="020B0604020202020204" pitchFamily="34" charset="0"/>
             </a:endParaRPr>
@@ -5469,8 +5502,8 @@
               <a:rPr lang="en-US" dirty="0" err="1">
                 <a:solidFill>
                   <a:schemeClr val="bg1">
-                    <a:lumMod val="95000"/>
-                    <a:lumOff val="5000"/>
+                    <a:lumMod val="50000"/>
+                    <a:lumOff val="50000"/>
                   </a:schemeClr>
                 </a:solidFill>
                 <a:latin typeface="Arial" panose="020B0604020202020204" pitchFamily="34" charset="0"/>
@@ -5482,8 +5515,8 @@
               <a:rPr lang="en-US" dirty="0">
                 <a:solidFill>
                   <a:schemeClr val="bg1">
-                    <a:lumMod val="95000"/>
-                    <a:lumOff val="5000"/>
+                    <a:lumMod val="50000"/>
+                    <a:lumOff val="50000"/>
                   </a:schemeClr>
                 </a:solidFill>
                 <a:latin typeface="Arial" panose="020B0604020202020204" pitchFamily="34" charset="0"/>
@@ -5495,8 +5528,8 @@
               <a:rPr lang="en-US" dirty="0" err="1">
                 <a:solidFill>
                   <a:schemeClr val="bg1">
-                    <a:lumMod val="95000"/>
-                    <a:lumOff val="5000"/>
+                    <a:lumMod val="50000"/>
+                    <a:lumOff val="50000"/>
                   </a:schemeClr>
                 </a:solidFill>
                 <a:latin typeface="Arial" panose="020B0604020202020204" pitchFamily="34" charset="0"/>
@@ -5508,8 +5541,8 @@
               <a:rPr lang="en-US" dirty="0">
                 <a:solidFill>
                   <a:schemeClr val="bg1">
-                    <a:lumMod val="95000"/>
-                    <a:lumOff val="5000"/>
+                    <a:lumMod val="50000"/>
+                    <a:lumOff val="50000"/>
                   </a:schemeClr>
                 </a:solidFill>
                 <a:latin typeface="Arial" panose="020B0604020202020204" pitchFamily="34" charset="0"/>
@@ -5521,8 +5554,8 @@
               <a:rPr lang="en-US" dirty="0" err="1">
                 <a:solidFill>
                   <a:schemeClr val="bg1">
-                    <a:lumMod val="95000"/>
-                    <a:lumOff val="5000"/>
+                    <a:lumMod val="50000"/>
+                    <a:lumOff val="50000"/>
                   </a:schemeClr>
                 </a:solidFill>
                 <a:latin typeface="Arial" panose="020B0604020202020204" pitchFamily="34" charset="0"/>
@@ -5534,8 +5567,8 @@
               <a:rPr lang="en-US" dirty="0">
                 <a:solidFill>
                   <a:schemeClr val="bg1">
-                    <a:lumMod val="95000"/>
-                    <a:lumOff val="5000"/>
+                    <a:lumMod val="50000"/>
+                    <a:lumOff val="50000"/>
                   </a:schemeClr>
                 </a:solidFill>
                 <a:latin typeface="Arial" panose="020B0604020202020204" pitchFamily="34" charset="0"/>
@@ -5547,8 +5580,8 @@
               <a:rPr lang="en-US" dirty="0" err="1">
                 <a:solidFill>
                   <a:schemeClr val="bg1">
-                    <a:lumMod val="95000"/>
-                    <a:lumOff val="5000"/>
+                    <a:lumMod val="50000"/>
+                    <a:lumOff val="50000"/>
                   </a:schemeClr>
                 </a:solidFill>
                 <a:latin typeface="Arial" panose="020B0604020202020204" pitchFamily="34" charset="0"/>
@@ -5560,8 +5593,8 @@
               <a:rPr lang="en-US" dirty="0">
                 <a:solidFill>
                   <a:schemeClr val="bg1">
-                    <a:lumMod val="95000"/>
-                    <a:lumOff val="5000"/>
+                    <a:lumMod val="50000"/>
+                    <a:lumOff val="50000"/>
                   </a:schemeClr>
                 </a:solidFill>
                 <a:latin typeface="Arial" panose="020B0604020202020204" pitchFamily="34" charset="0"/>
@@ -5572,15 +5605,21 @@
           </a:p>
           <a:p>
             <a:pPr marL="457200" indent="-457200">
-              <a:buFont typeface="+mj-lt"/>
-              <a:buAutoNum type="arabicPeriod"/>
+              <a:buClr>
+                <a:schemeClr val="bg1">
+                  <a:lumMod val="65000"/>
+                  <a:lumOff val="35000"/>
+                </a:schemeClr>
+              </a:buClr>
+              <a:buFont typeface="Arial" panose="020B0604020202020204" pitchFamily="34" charset="0"/>
+              <a:buChar char="•"/>
             </a:pPr>
             <a:r>
               <a:rPr lang="en-US" dirty="0" err="1">
                 <a:solidFill>
                   <a:schemeClr val="bg1">
-                    <a:lumMod val="95000"/>
-                    <a:lumOff val="5000"/>
+                    <a:lumMod val="50000"/>
+                    <a:lumOff val="50000"/>
                   </a:schemeClr>
                 </a:solidFill>
                 <a:latin typeface="Arial" panose="020B0604020202020204" pitchFamily="34" charset="0"/>
@@ -5592,8 +5631,8 @@
               <a:rPr lang="en-US" dirty="0">
                 <a:solidFill>
                   <a:schemeClr val="bg1">
-                    <a:lumMod val="95000"/>
-                    <a:lumOff val="5000"/>
+                    <a:lumMod val="50000"/>
+                    <a:lumOff val="50000"/>
                   </a:schemeClr>
                 </a:solidFill>
                 <a:latin typeface="Arial" panose="020B0604020202020204" pitchFamily="34" charset="0"/>
@@ -5605,8 +5644,8 @@
               <a:rPr lang="en-US" dirty="0" err="1">
                 <a:solidFill>
                   <a:schemeClr val="bg1">
-                    <a:lumMod val="95000"/>
-                    <a:lumOff val="5000"/>
+                    <a:lumMod val="50000"/>
+                    <a:lumOff val="50000"/>
                   </a:schemeClr>
                 </a:solidFill>
                 <a:latin typeface="Arial" panose="020B0604020202020204" pitchFamily="34" charset="0"/>
@@ -5618,8 +5657,8 @@
               <a:rPr lang="en-US" dirty="0">
                 <a:solidFill>
                   <a:schemeClr val="bg1">
-                    <a:lumMod val="95000"/>
-                    <a:lumOff val="5000"/>
+                    <a:lumMod val="50000"/>
+                    <a:lumOff val="50000"/>
                   </a:schemeClr>
                 </a:solidFill>
                 <a:latin typeface="Arial" panose="020B0604020202020204" pitchFamily="34" charset="0"/>
@@ -5630,15 +5669,21 @@
           </a:p>
           <a:p>
             <a:pPr marL="457200" indent="-457200">
-              <a:buFont typeface="+mj-lt"/>
-              <a:buAutoNum type="arabicPeriod"/>
+              <a:buClr>
+                <a:schemeClr val="bg1">
+                  <a:lumMod val="65000"/>
+                  <a:lumOff val="35000"/>
+                </a:schemeClr>
+              </a:buClr>
+              <a:buFont typeface="Arial" panose="020B0604020202020204" pitchFamily="34" charset="0"/>
+              <a:buChar char="•"/>
             </a:pPr>
             <a:r>
               <a:rPr lang="en-US" dirty="0" err="1">
                 <a:solidFill>
                   <a:schemeClr val="bg1">
-                    <a:lumMod val="95000"/>
-                    <a:lumOff val="5000"/>
+                    <a:lumMod val="50000"/>
+                    <a:lumOff val="50000"/>
                   </a:schemeClr>
                 </a:solidFill>
                 <a:latin typeface="Arial" panose="020B0604020202020204" pitchFamily="34" charset="0"/>
@@ -5650,8 +5695,8 @@
               <a:rPr lang="en-US" dirty="0">
                 <a:solidFill>
                   <a:schemeClr val="bg1">
-                    <a:lumMod val="95000"/>
-                    <a:lumOff val="5000"/>
+                    <a:lumMod val="50000"/>
+                    <a:lumOff val="50000"/>
                   </a:schemeClr>
                 </a:solidFill>
                 <a:latin typeface="Arial" panose="020B0604020202020204" pitchFamily="34" charset="0"/>
@@ -5663,8 +5708,8 @@
               <a:rPr lang="en-US" dirty="0" err="1">
                 <a:solidFill>
                   <a:schemeClr val="bg1">
-                    <a:lumMod val="95000"/>
-                    <a:lumOff val="5000"/>
+                    <a:lumMod val="50000"/>
+                    <a:lumOff val="50000"/>
                   </a:schemeClr>
                 </a:solidFill>
                 <a:latin typeface="Arial" panose="020B0604020202020204" pitchFamily="34" charset="0"/>
@@ -5676,8 +5721,8 @@
               <a:rPr lang="en-US" dirty="0">
                 <a:solidFill>
                   <a:schemeClr val="bg1">
-                    <a:lumMod val="95000"/>
-                    <a:lumOff val="5000"/>
+                    <a:lumMod val="50000"/>
+                    <a:lumOff val="50000"/>
                   </a:schemeClr>
                 </a:solidFill>
                 <a:latin typeface="Arial" panose="020B0604020202020204" pitchFamily="34" charset="0"/>
@@ -5689,8 +5734,8 @@
               <a:rPr lang="en-US" dirty="0" err="1">
                 <a:solidFill>
                   <a:schemeClr val="bg1">
-                    <a:lumMod val="95000"/>
-                    <a:lumOff val="5000"/>
+                    <a:lumMod val="50000"/>
+                    <a:lumOff val="50000"/>
                   </a:schemeClr>
                 </a:solidFill>
                 <a:latin typeface="Arial" panose="020B0604020202020204" pitchFamily="34" charset="0"/>
@@ -5701,8 +5746,8 @@
             <a:endParaRPr lang="en-US" dirty="0">
               <a:solidFill>
                 <a:schemeClr val="bg1">
-                  <a:lumMod val="95000"/>
-                  <a:lumOff val="5000"/>
+                  <a:lumMod val="50000"/>
+                  <a:lumOff val="50000"/>
                 </a:schemeClr>
               </a:solidFill>
               <a:latin typeface="Arial" panose="020B0604020202020204" pitchFamily="34" charset="0"/>
@@ -5711,15 +5756,21 @@
           </a:p>
           <a:p>
             <a:pPr marL="457200" indent="-457200">
-              <a:buFont typeface="+mj-lt"/>
-              <a:buAutoNum type="arabicPeriod"/>
+              <a:buClr>
+                <a:schemeClr val="bg1">
+                  <a:lumMod val="65000"/>
+                  <a:lumOff val="35000"/>
+                </a:schemeClr>
+              </a:buClr>
+              <a:buFont typeface="Arial" panose="020B0604020202020204" pitchFamily="34" charset="0"/>
+              <a:buChar char="•"/>
             </a:pPr>
             <a:r>
               <a:rPr lang="en-US" dirty="0" err="1">
                 <a:solidFill>
                   <a:schemeClr val="bg1">
-                    <a:lumMod val="95000"/>
-                    <a:lumOff val="5000"/>
+                    <a:lumMod val="50000"/>
+                    <a:lumOff val="50000"/>
                   </a:schemeClr>
                 </a:solidFill>
                 <a:latin typeface="Arial" panose="020B0604020202020204" pitchFamily="34" charset="0"/>
@@ -5731,8 +5782,8 @@
               <a:rPr lang="en-US" dirty="0">
                 <a:solidFill>
                   <a:schemeClr val="bg1">
-                    <a:lumMod val="95000"/>
-                    <a:lumOff val="5000"/>
+                    <a:lumMod val="50000"/>
+                    <a:lumOff val="50000"/>
                   </a:schemeClr>
                 </a:solidFill>
                 <a:latin typeface="Arial" panose="020B0604020202020204" pitchFamily="34" charset="0"/>
@@ -5744,8 +5795,8 @@
               <a:rPr lang="en-US" dirty="0" err="1">
                 <a:solidFill>
                   <a:schemeClr val="bg1">
-                    <a:lumMod val="95000"/>
-                    <a:lumOff val="5000"/>
+                    <a:lumMod val="50000"/>
+                    <a:lumOff val="50000"/>
                   </a:schemeClr>
                 </a:solidFill>
                 <a:latin typeface="Arial" panose="020B0604020202020204" pitchFamily="34" charset="0"/>
@@ -5757,8 +5808,8 @@
               <a:rPr lang="en-US" dirty="0">
                 <a:solidFill>
                   <a:schemeClr val="bg1">
-                    <a:lumMod val="95000"/>
-                    <a:lumOff val="5000"/>
+                    <a:lumMod val="50000"/>
+                    <a:lumOff val="50000"/>
                   </a:schemeClr>
                 </a:solidFill>
                 <a:latin typeface="Arial" panose="020B0604020202020204" pitchFamily="34" charset="0"/>
@@ -5770,8 +5821,8 @@
               <a:rPr lang="en-US" dirty="0" err="1">
                 <a:solidFill>
                   <a:schemeClr val="bg1">
-                    <a:lumMod val="95000"/>
-                    <a:lumOff val="5000"/>
+                    <a:lumMod val="50000"/>
+                    <a:lumOff val="50000"/>
                   </a:schemeClr>
                 </a:solidFill>
                 <a:latin typeface="Arial" panose="020B0604020202020204" pitchFamily="34" charset="0"/>
@@ -5782,8 +5833,8 @@
             <a:endParaRPr lang="en-US" dirty="0">
               <a:solidFill>
                 <a:schemeClr val="bg1">
-                  <a:lumMod val="95000"/>
-                  <a:lumOff val="5000"/>
+                  <a:lumMod val="50000"/>
+                  <a:lumOff val="50000"/>
                 </a:schemeClr>
               </a:solidFill>
               <a:latin typeface="Arial" panose="020B0604020202020204" pitchFamily="34" charset="0"/>
@@ -5791,12 +5842,13 @@
             </a:endParaRPr>
           </a:p>
           <a:p>
+            <a:pPr marL="508000"/>
             <a:r>
               <a:rPr lang="en-US" dirty="0" err="1">
                 <a:solidFill>
                   <a:schemeClr val="bg1">
-                    <a:lumMod val="95000"/>
-                    <a:lumOff val="5000"/>
+                    <a:lumMod val="50000"/>
+                    <a:lumOff val="50000"/>
                   </a:schemeClr>
                 </a:solidFill>
                 <a:latin typeface="Arial" panose="020B0604020202020204" pitchFamily="34" charset="0"/>
@@ -5808,8 +5860,8 @@
               <a:rPr lang="en-US" dirty="0">
                 <a:solidFill>
                   <a:schemeClr val="bg1">
-                    <a:lumMod val="95000"/>
-                    <a:lumOff val="5000"/>
+                    <a:lumMod val="50000"/>
+                    <a:lumOff val="50000"/>
                   </a:schemeClr>
                 </a:solidFill>
                 <a:latin typeface="Arial" panose="020B0604020202020204" pitchFamily="34" charset="0"/>
@@ -5821,8 +5873,8 @@
               <a:rPr lang="en-US" dirty="0" err="1">
                 <a:solidFill>
                   <a:schemeClr val="bg1">
-                    <a:lumMod val="95000"/>
-                    <a:lumOff val="5000"/>
+                    <a:lumMod val="50000"/>
+                    <a:lumOff val="50000"/>
                   </a:schemeClr>
                 </a:solidFill>
                 <a:latin typeface="Arial" panose="020B0604020202020204" pitchFamily="34" charset="0"/>
@@ -5834,8 +5886,8 @@
               <a:rPr lang="en-US" dirty="0">
                 <a:solidFill>
                   <a:schemeClr val="bg1">
-                    <a:lumMod val="95000"/>
-                    <a:lumOff val="5000"/>
+                    <a:lumMod val="50000"/>
+                    <a:lumOff val="50000"/>
                   </a:schemeClr>
                 </a:solidFill>
                 <a:latin typeface="Arial" panose="020B0604020202020204" pitchFamily="34" charset="0"/>
@@ -5847,8 +5899,8 @@
               <a:rPr lang="en-US" dirty="0" err="1">
                 <a:solidFill>
                   <a:schemeClr val="bg1">
-                    <a:lumMod val="95000"/>
-                    <a:lumOff val="5000"/>
+                    <a:lumMod val="50000"/>
+                    <a:lumOff val="50000"/>
                   </a:schemeClr>
                 </a:solidFill>
                 <a:latin typeface="Arial" panose="020B0604020202020204" pitchFamily="34" charset="0"/>
@@ -5860,8 +5912,8 @@
               <a:rPr lang="en-US" dirty="0">
                 <a:solidFill>
                   <a:schemeClr val="bg1">
-                    <a:lumMod val="95000"/>
-                    <a:lumOff val="5000"/>
+                    <a:lumMod val="50000"/>
+                    <a:lumOff val="50000"/>
                   </a:schemeClr>
                 </a:solidFill>
                 <a:latin typeface="Arial" panose="020B0604020202020204" pitchFamily="34" charset="0"/>
@@ -5873,8 +5925,8 @@
               <a:rPr lang="en-US" dirty="0" err="1">
                 <a:solidFill>
                   <a:schemeClr val="bg1">
-                    <a:lumMod val="95000"/>
-                    <a:lumOff val="5000"/>
+                    <a:lumMod val="50000"/>
+                    <a:lumOff val="50000"/>
                   </a:schemeClr>
                 </a:solidFill>
                 <a:latin typeface="Arial" panose="020B0604020202020204" pitchFamily="34" charset="0"/>
@@ -5886,9 +5938,728 @@
               <a:rPr lang="en-US" dirty="0">
                 <a:solidFill>
                   <a:schemeClr val="bg1">
-                    <a:lumMod val="95000"/>
-                    <a:lumOff val="5000"/>
-                  </a:schemeClr>
+                    <a:lumMod val="50000"/>
+                    <a:lumOff val="50000"/>
+                  </a:schemeClr>
+                </a:solidFill>
+                <a:latin typeface="Arial" panose="020B0604020202020204" pitchFamily="34" charset="0"/>
+                <a:cs typeface="Arial" panose="020B0604020202020204" pitchFamily="34" charset="0"/>
+              </a:rPr>
+              <a:t>:</a:t>
+            </a:r>
+          </a:p>
+          <a:p>
+            <a:pPr marL="508000">
+              <a:buClr>
+                <a:schemeClr val="bg1">
+                  <a:lumMod val="50000"/>
+                  <a:lumOff val="50000"/>
+                </a:schemeClr>
+              </a:buClr>
+            </a:pPr>
+            <a:r>
+              <a:rPr lang="en-US" dirty="0" err="1">
+                <a:solidFill>
+                  <a:schemeClr val="bg1">
+                    <a:lumMod val="50000"/>
+                    <a:lumOff val="50000"/>
+                  </a:schemeClr>
+                </a:solidFill>
+                <a:latin typeface="Arial" panose="020B0604020202020204" pitchFamily="34" charset="0"/>
+                <a:cs typeface="Arial" panose="020B0604020202020204" pitchFamily="34" charset="0"/>
+              </a:rPr>
+              <a:t>Cô</a:t>
+            </a:r>
+            <a:r>
+              <a:rPr lang="en-US" dirty="0">
+                <a:solidFill>
+                  <a:schemeClr val="bg1">
+                    <a:lumMod val="50000"/>
+                    <a:lumOff val="50000"/>
+                  </a:schemeClr>
+                </a:solidFill>
+                <a:latin typeface="Arial" panose="020B0604020202020204" pitchFamily="34" charset="0"/>
+                <a:cs typeface="Arial" panose="020B0604020202020204" pitchFamily="34" charset="0"/>
+              </a:rPr>
+              <a:t> </a:t>
+            </a:r>
+            <a:r>
+              <a:rPr lang="en-US" dirty="0" err="1">
+                <a:solidFill>
+                  <a:schemeClr val="bg1">
+                    <a:lumMod val="50000"/>
+                    <a:lumOff val="50000"/>
+                  </a:schemeClr>
+                </a:solidFill>
+                <a:latin typeface="Arial" panose="020B0604020202020204" pitchFamily="34" charset="0"/>
+                <a:cs typeface="Arial" panose="020B0604020202020204" pitchFamily="34" charset="0"/>
+              </a:rPr>
+              <a:t>Trần</a:t>
+            </a:r>
+            <a:r>
+              <a:rPr lang="en-US" dirty="0">
+                <a:solidFill>
+                  <a:schemeClr val="bg1">
+                    <a:lumMod val="50000"/>
+                    <a:lumOff val="50000"/>
+                  </a:schemeClr>
+                </a:solidFill>
+                <a:latin typeface="Arial" panose="020B0604020202020204" pitchFamily="34" charset="0"/>
+                <a:cs typeface="Arial" panose="020B0604020202020204" pitchFamily="34" charset="0"/>
+              </a:rPr>
+              <a:t> </a:t>
+            </a:r>
+            <a:r>
+              <a:rPr lang="en-US" dirty="0" err="1">
+                <a:solidFill>
+                  <a:schemeClr val="bg1">
+                    <a:lumMod val="50000"/>
+                    <a:lumOff val="50000"/>
+                  </a:schemeClr>
+                </a:solidFill>
+                <a:latin typeface="Arial" panose="020B0604020202020204" pitchFamily="34" charset="0"/>
+                <a:cs typeface="Arial" panose="020B0604020202020204" pitchFamily="34" charset="0"/>
+              </a:rPr>
+              <a:t>Nguyễn</a:t>
+            </a:r>
+            <a:r>
+              <a:rPr lang="en-US" dirty="0">
+                <a:solidFill>
+                  <a:schemeClr val="bg1">
+                    <a:lumMod val="50000"/>
+                    <a:lumOff val="50000"/>
+                  </a:schemeClr>
+                </a:solidFill>
+                <a:latin typeface="Arial" panose="020B0604020202020204" pitchFamily="34" charset="0"/>
+                <a:cs typeface="Arial" panose="020B0604020202020204" pitchFamily="34" charset="0"/>
+              </a:rPr>
+              <a:t> Minh </a:t>
+            </a:r>
+            <a:r>
+              <a:rPr lang="en-US" dirty="0" err="1">
+                <a:solidFill>
+                  <a:schemeClr val="bg1">
+                    <a:lumMod val="50000"/>
+                    <a:lumOff val="50000"/>
+                  </a:schemeClr>
+                </a:solidFill>
+                <a:latin typeface="Arial" panose="020B0604020202020204" pitchFamily="34" charset="0"/>
+                <a:cs typeface="Arial" panose="020B0604020202020204" pitchFamily="34" charset="0"/>
+              </a:rPr>
+              <a:t>Thư</a:t>
+            </a:r>
+            <a:endParaRPr lang="en-US" dirty="0">
+              <a:solidFill>
+                <a:schemeClr val="bg1">
+                  <a:lumMod val="50000"/>
+                  <a:lumOff val="50000"/>
+                </a:schemeClr>
+              </a:solidFill>
+              <a:latin typeface="Arial" panose="020B0604020202020204" pitchFamily="34" charset="0"/>
+              <a:cs typeface="Arial" panose="020B0604020202020204" pitchFamily="34" charset="0"/>
+            </a:endParaRPr>
+          </a:p>
+        </p:txBody>
+      </p:sp>
+      <p:sp>
+        <p:nvSpPr>
+          <p:cNvPr id="5" name="TextBox 4">
+            <a:extLst>
+              <a:ext uri="{FF2B5EF4-FFF2-40B4-BE49-F238E27FC236}">
+                <a16:creationId xmlns:a16="http://schemas.microsoft.com/office/drawing/2014/main" id="{89DEB778-2A0A-4348-A738-A543543BDF94}"/>
+              </a:ext>
+            </a:extLst>
+          </p:cNvPr>
+          <p:cNvSpPr txBox="1"/>
+          <p:nvPr/>
+        </p:nvSpPr>
+        <p:spPr>
+          <a:xfrm>
+            <a:off x="185352" y="347724"/>
+            <a:ext cx="2484976" cy="369332"/>
+          </a:xfrm>
+          <a:prstGeom prst="rect">
+            <a:avLst/>
+          </a:prstGeom>
+          <a:noFill/>
+        </p:spPr>
+        <p:txBody>
+          <a:bodyPr wrap="none" rtlCol="0">
+            <a:spAutoFit/>
+          </a:bodyPr>
+          <a:lstStyle/>
+          <a:p>
+            <a:r>
+              <a:rPr lang="en-US" dirty="0" err="1">
+                <a:solidFill>
+                  <a:schemeClr val="bg1">
+                    <a:lumMod val="50000"/>
+                    <a:lumOff val="50000"/>
+                  </a:schemeClr>
+                </a:solidFill>
+                <a:latin typeface="Arial" panose="020B0604020202020204" pitchFamily="34" charset="0"/>
+                <a:cs typeface="Arial" panose="020B0604020202020204" pitchFamily="34" charset="0"/>
+              </a:rPr>
+              <a:t>Nhóm</a:t>
+            </a:r>
+            <a:r>
+              <a:rPr lang="en-US" dirty="0">
+                <a:solidFill>
+                  <a:schemeClr val="bg1">
+                    <a:lumMod val="50000"/>
+                    <a:lumOff val="50000"/>
+                  </a:schemeClr>
+                </a:solidFill>
+                <a:latin typeface="Arial" panose="020B0604020202020204" pitchFamily="34" charset="0"/>
+                <a:cs typeface="Arial" panose="020B0604020202020204" pitchFamily="34" charset="0"/>
+              </a:rPr>
+              <a:t> 4 – </a:t>
+            </a:r>
+            <a:r>
+              <a:rPr lang="en-US" dirty="0" err="1">
+                <a:solidFill>
+                  <a:schemeClr val="bg1">
+                    <a:lumMod val="50000"/>
+                    <a:lumOff val="50000"/>
+                  </a:schemeClr>
+                </a:solidFill>
+                <a:latin typeface="Arial" panose="020B0604020202020204" pitchFamily="34" charset="0"/>
+                <a:cs typeface="Arial" panose="020B0604020202020204" pitchFamily="34" charset="0"/>
+              </a:rPr>
+              <a:t>Sáng</a:t>
+            </a:r>
+            <a:r>
+              <a:rPr lang="en-US" dirty="0">
+                <a:solidFill>
+                  <a:schemeClr val="bg1">
+                    <a:lumMod val="50000"/>
+                    <a:lumOff val="50000"/>
+                  </a:schemeClr>
+                </a:solidFill>
+                <a:latin typeface="Arial" panose="020B0604020202020204" pitchFamily="34" charset="0"/>
+                <a:cs typeface="Arial" panose="020B0604020202020204" pitchFamily="34" charset="0"/>
+              </a:rPr>
+              <a:t> </a:t>
+            </a:r>
+            <a:r>
+              <a:rPr lang="en-US" dirty="0" err="1">
+                <a:solidFill>
+                  <a:schemeClr val="bg1">
+                    <a:lumMod val="50000"/>
+                    <a:lumOff val="50000"/>
+                  </a:schemeClr>
+                </a:solidFill>
+                <a:latin typeface="Arial" panose="020B0604020202020204" pitchFamily="34" charset="0"/>
+                <a:cs typeface="Arial" panose="020B0604020202020204" pitchFamily="34" charset="0"/>
+              </a:rPr>
+              <a:t>thứ</a:t>
+            </a:r>
+            <a:r>
+              <a:rPr lang="en-US" dirty="0">
+                <a:solidFill>
+                  <a:schemeClr val="bg1">
+                    <a:lumMod val="50000"/>
+                    <a:lumOff val="50000"/>
+                  </a:schemeClr>
+                </a:solidFill>
+                <a:latin typeface="Arial" panose="020B0604020202020204" pitchFamily="34" charset="0"/>
+                <a:cs typeface="Arial" panose="020B0604020202020204" pitchFamily="34" charset="0"/>
+              </a:rPr>
+              <a:t> 5</a:t>
+            </a:r>
+            <a:endParaRPr lang="vi-VN" dirty="0">
+              <a:solidFill>
+                <a:schemeClr val="bg1">
+                  <a:lumMod val="50000"/>
+                  <a:lumOff val="50000"/>
+                </a:schemeClr>
+              </a:solidFill>
+              <a:latin typeface="Arial" panose="020B0604020202020204" pitchFamily="34" charset="0"/>
+              <a:cs typeface="Arial" panose="020B0604020202020204" pitchFamily="34" charset="0"/>
+            </a:endParaRPr>
+          </a:p>
+        </p:txBody>
+      </p:sp>
+    </p:spTree>
+    <p:extLst>
+      <p:ext uri="{BB962C8B-B14F-4D97-AF65-F5344CB8AC3E}">
+        <p14:creationId xmlns:p14="http://schemas.microsoft.com/office/powerpoint/2010/main" val="1468505550"/>
+      </p:ext>
+    </p:extLst>
+  </p:cSld>
+  <p:clrMapOvr>
+    <a:masterClrMapping/>
+  </p:clrMapOvr>
+</p:sld>
+</file>
+
+<file path=ppt/slides/slide2.xml><?xml version="1.0" encoding="utf-8"?>
+<p:sld xmlns:a="http://schemas.openxmlformats.org/drawingml/2006/main" xmlns:r="http://schemas.openxmlformats.org/officeDocument/2006/relationships" xmlns:p="http://schemas.openxmlformats.org/presentationml/2006/main">
+  <p:cSld>
+    <p:bg>
+      <p:bgPr>
+        <a:gradFill rotWithShape="1">
+          <a:gsLst>
+            <a:gs pos="60000">
+              <a:srgbClr val="2B2B2B"/>
+            </a:gs>
+            <a:gs pos="26000">
+              <a:schemeClr val="bg2">
+                <a:tint val="97000"/>
+                <a:hueMod val="92000"/>
+                <a:satMod val="169000"/>
+                <a:lumMod val="164000"/>
+              </a:schemeClr>
+            </a:gs>
+            <a:gs pos="92000">
+              <a:schemeClr val="bg2">
+                <a:shade val="96000"/>
+                <a:satMod val="120000"/>
+                <a:lumMod val="90000"/>
+              </a:schemeClr>
+            </a:gs>
+          </a:gsLst>
+          <a:lin ang="6120000" scaled="1"/>
+        </a:gradFill>
+        <a:effectLst/>
+      </p:bgPr>
+    </p:bg>
+    <p:spTree>
+      <p:nvGrpSpPr>
+        <p:cNvPr id="1" name=""/>
+        <p:cNvGrpSpPr/>
+        <p:nvPr/>
+      </p:nvGrpSpPr>
+      <p:grpSpPr>
+        <a:xfrm>
+          <a:off x="0" y="0"/>
+          <a:ext cx="0" cy="0"/>
+          <a:chOff x="0" y="0"/>
+          <a:chExt cx="0" cy="0"/>
+        </a:xfrm>
+      </p:grpSpPr>
+      <p:sp>
+        <p:nvSpPr>
+          <p:cNvPr id="2" name="Title 1">
+            <a:extLst>
+              <a:ext uri="{FF2B5EF4-FFF2-40B4-BE49-F238E27FC236}">
+                <a16:creationId xmlns:a16="http://schemas.microsoft.com/office/drawing/2014/main" id="{1C69F7C8-FA43-44A2-BB2E-EB7E8F99C601}"/>
+              </a:ext>
+            </a:extLst>
+          </p:cNvPr>
+          <p:cNvSpPr>
+            <a:spLocks noGrp="1"/>
+          </p:cNvSpPr>
+          <p:nvPr>
+            <p:ph type="ctrTitle"/>
+          </p:nvPr>
+        </p:nvSpPr>
+        <p:spPr>
+          <a:xfrm>
+            <a:off x="1524000" y="1723767"/>
+            <a:ext cx="9144000" cy="1285103"/>
+          </a:xfrm>
+        </p:spPr>
+        <p:txBody>
+          <a:bodyPr>
+            <a:noAutofit/>
+          </a:bodyPr>
+          <a:lstStyle/>
+          <a:p>
+            <a:pPr algn="ctr"/>
+            <a:r>
+              <a:rPr lang="en-US" sz="4000" dirty="0">
+                <a:solidFill>
+                  <a:srgbClr val="FFFF00"/>
+                </a:solidFill>
+                <a:latin typeface="Arial" panose="020B0604020202020204" pitchFamily="34" charset="0"/>
+                <a:cs typeface="Arial" panose="020B0604020202020204" pitchFamily="34" charset="0"/>
+              </a:rPr>
+              <a:t>GIẢI THUẬT ___ </a:t>
+            </a:r>
+            <a:br>
+              <a:rPr lang="en-US" sz="4000" dirty="0">
+                <a:solidFill>
+                  <a:srgbClr val="FFFF00"/>
+                </a:solidFill>
+                <a:latin typeface="Arial" panose="020B0604020202020204" pitchFamily="34" charset="0"/>
+                <a:cs typeface="Arial" panose="020B0604020202020204" pitchFamily="34" charset="0"/>
+              </a:rPr>
+            </a:br>
+            <a:r>
+              <a:rPr lang="en-US" sz="4000" dirty="0">
+                <a:solidFill>
+                  <a:srgbClr val="FFFF00"/>
+                </a:solidFill>
+                <a:latin typeface="Arial" panose="020B0604020202020204" pitchFamily="34" charset="0"/>
+                <a:cs typeface="Arial" panose="020B0604020202020204" pitchFamily="34" charset="0"/>
+              </a:rPr>
+              <a:t>TRÊN TẬP DỮ LIỆU BIKE-SHARING </a:t>
+            </a:r>
+            <a:endParaRPr lang="vi-VN" sz="4000" dirty="0">
+              <a:solidFill>
+                <a:srgbClr val="FFFF00"/>
+              </a:solidFill>
+              <a:latin typeface="Arial" panose="020B0604020202020204" pitchFamily="34" charset="0"/>
+              <a:cs typeface="Arial" panose="020B0604020202020204" pitchFamily="34" charset="0"/>
+            </a:endParaRPr>
+          </a:p>
+        </p:txBody>
+      </p:sp>
+      <p:sp>
+        <p:nvSpPr>
+          <p:cNvPr id="3" name="Subtitle 2">
+            <a:extLst>
+              <a:ext uri="{FF2B5EF4-FFF2-40B4-BE49-F238E27FC236}">
+                <a16:creationId xmlns:a16="http://schemas.microsoft.com/office/drawing/2014/main" id="{17016C9A-BE7C-4C2D-80D7-E7ACE54FEFBA}"/>
+              </a:ext>
+            </a:extLst>
+          </p:cNvPr>
+          <p:cNvSpPr>
+            <a:spLocks noGrp="1"/>
+          </p:cNvSpPr>
+          <p:nvPr>
+            <p:ph type="subTitle" idx="1"/>
+          </p:nvPr>
+        </p:nvSpPr>
+        <p:spPr>
+          <a:xfrm>
+            <a:off x="1524000" y="4855841"/>
+            <a:ext cx="9144000" cy="1977461"/>
+          </a:xfrm>
+        </p:spPr>
+        <p:txBody>
+          <a:bodyPr numCol="2"/>
+          <a:lstStyle/>
+          <a:p>
+            <a:r>
+              <a:rPr lang="en-US" dirty="0" err="1">
+                <a:solidFill>
+                  <a:srgbClr val="FFFF00"/>
+                </a:solidFill>
+                <a:latin typeface="Arial" panose="020B0604020202020204" pitchFamily="34" charset="0"/>
+                <a:cs typeface="Arial" panose="020B0604020202020204" pitchFamily="34" charset="0"/>
+              </a:rPr>
+              <a:t>Sinh</a:t>
+            </a:r>
+            <a:r>
+              <a:rPr lang="en-US" dirty="0">
+                <a:solidFill>
+                  <a:srgbClr val="FFFF00"/>
+                </a:solidFill>
+                <a:latin typeface="Arial" panose="020B0604020202020204" pitchFamily="34" charset="0"/>
+                <a:cs typeface="Arial" panose="020B0604020202020204" pitchFamily="34" charset="0"/>
+              </a:rPr>
+              <a:t> </a:t>
+            </a:r>
+            <a:r>
+              <a:rPr lang="en-US" dirty="0" err="1">
+                <a:solidFill>
+                  <a:srgbClr val="FFFF00"/>
+                </a:solidFill>
+                <a:latin typeface="Arial" panose="020B0604020202020204" pitchFamily="34" charset="0"/>
+                <a:cs typeface="Arial" panose="020B0604020202020204" pitchFamily="34" charset="0"/>
+              </a:rPr>
+              <a:t>viên</a:t>
+            </a:r>
+            <a:r>
+              <a:rPr lang="en-US" dirty="0">
+                <a:solidFill>
+                  <a:srgbClr val="FFFF00"/>
+                </a:solidFill>
+                <a:latin typeface="Arial" panose="020B0604020202020204" pitchFamily="34" charset="0"/>
+                <a:cs typeface="Arial" panose="020B0604020202020204" pitchFamily="34" charset="0"/>
+              </a:rPr>
+              <a:t> </a:t>
+            </a:r>
+            <a:r>
+              <a:rPr lang="en-US" dirty="0" err="1">
+                <a:solidFill>
+                  <a:srgbClr val="FFFF00"/>
+                </a:solidFill>
+                <a:latin typeface="Arial" panose="020B0604020202020204" pitchFamily="34" charset="0"/>
+                <a:cs typeface="Arial" panose="020B0604020202020204" pitchFamily="34" charset="0"/>
+              </a:rPr>
+              <a:t>thưc</a:t>
+            </a:r>
+            <a:r>
+              <a:rPr lang="en-US" dirty="0">
+                <a:solidFill>
+                  <a:srgbClr val="FFFF00"/>
+                </a:solidFill>
+                <a:latin typeface="Arial" panose="020B0604020202020204" pitchFamily="34" charset="0"/>
+                <a:cs typeface="Arial" panose="020B0604020202020204" pitchFamily="34" charset="0"/>
+              </a:rPr>
+              <a:t> </a:t>
+            </a:r>
+            <a:r>
+              <a:rPr lang="en-US" dirty="0" err="1">
+                <a:solidFill>
+                  <a:srgbClr val="FFFF00"/>
+                </a:solidFill>
+                <a:latin typeface="Arial" panose="020B0604020202020204" pitchFamily="34" charset="0"/>
+                <a:cs typeface="Arial" panose="020B0604020202020204" pitchFamily="34" charset="0"/>
+              </a:rPr>
+              <a:t>hiện</a:t>
+            </a:r>
+            <a:r>
+              <a:rPr lang="en-US" dirty="0">
+                <a:solidFill>
+                  <a:srgbClr val="FFFF00"/>
+                </a:solidFill>
+                <a:latin typeface="Arial" panose="020B0604020202020204" pitchFamily="34" charset="0"/>
+                <a:cs typeface="Arial" panose="020B0604020202020204" pitchFamily="34" charset="0"/>
+              </a:rPr>
+              <a:t>:</a:t>
+            </a:r>
+          </a:p>
+          <a:p>
+            <a:pPr marL="457200" indent="-457200">
+              <a:buFont typeface="+mj-lt"/>
+              <a:buAutoNum type="arabicPeriod"/>
+            </a:pPr>
+            <a:r>
+              <a:rPr lang="en-US" dirty="0" err="1">
+                <a:solidFill>
+                  <a:srgbClr val="FFFF00"/>
+                </a:solidFill>
+                <a:latin typeface="Arial" panose="020B0604020202020204" pitchFamily="34" charset="0"/>
+                <a:cs typeface="Arial" panose="020B0604020202020204" pitchFamily="34" charset="0"/>
+              </a:rPr>
+              <a:t>Phạm</a:t>
+            </a:r>
+            <a:r>
+              <a:rPr lang="en-US" dirty="0">
+                <a:solidFill>
+                  <a:srgbClr val="FFFF00"/>
+                </a:solidFill>
+                <a:latin typeface="Arial" panose="020B0604020202020204" pitchFamily="34" charset="0"/>
+                <a:cs typeface="Arial" panose="020B0604020202020204" pitchFamily="34" charset="0"/>
+              </a:rPr>
+              <a:t> </a:t>
+            </a:r>
+            <a:r>
+              <a:rPr lang="en-US" dirty="0" err="1">
+                <a:solidFill>
+                  <a:srgbClr val="FFFF00"/>
+                </a:solidFill>
+                <a:latin typeface="Arial" panose="020B0604020202020204" pitchFamily="34" charset="0"/>
+                <a:cs typeface="Arial" panose="020B0604020202020204" pitchFamily="34" charset="0"/>
+              </a:rPr>
+              <a:t>Trí</a:t>
+            </a:r>
+            <a:r>
+              <a:rPr lang="en-US" dirty="0">
+                <a:solidFill>
+                  <a:srgbClr val="FFFF00"/>
+                </a:solidFill>
+                <a:latin typeface="Arial" panose="020B0604020202020204" pitchFamily="34" charset="0"/>
+                <a:cs typeface="Arial" panose="020B0604020202020204" pitchFamily="34" charset="0"/>
+              </a:rPr>
+              <a:t> Minh</a:t>
+            </a:r>
+          </a:p>
+          <a:p>
+            <a:pPr marL="457200" indent="-457200">
+              <a:buFont typeface="+mj-lt"/>
+              <a:buAutoNum type="arabicPeriod"/>
+            </a:pPr>
+            <a:r>
+              <a:rPr lang="en-US" dirty="0" err="1">
+                <a:solidFill>
+                  <a:srgbClr val="FFFF00"/>
+                </a:solidFill>
+                <a:latin typeface="Arial" panose="020B0604020202020204" pitchFamily="34" charset="0"/>
+                <a:cs typeface="Arial" panose="020B0604020202020204" pitchFamily="34" charset="0"/>
+              </a:rPr>
+              <a:t>Nguyễn</a:t>
+            </a:r>
+            <a:r>
+              <a:rPr lang="en-US" dirty="0">
+                <a:solidFill>
+                  <a:srgbClr val="FFFF00"/>
+                </a:solidFill>
+                <a:latin typeface="Arial" panose="020B0604020202020204" pitchFamily="34" charset="0"/>
+                <a:cs typeface="Arial" panose="020B0604020202020204" pitchFamily="34" charset="0"/>
+              </a:rPr>
+              <a:t> </a:t>
+            </a:r>
+            <a:r>
+              <a:rPr lang="en-US" dirty="0" err="1">
+                <a:solidFill>
+                  <a:srgbClr val="FFFF00"/>
+                </a:solidFill>
+                <a:latin typeface="Arial" panose="020B0604020202020204" pitchFamily="34" charset="0"/>
+                <a:cs typeface="Arial" panose="020B0604020202020204" pitchFamily="34" charset="0"/>
+              </a:rPr>
+              <a:t>Hùng</a:t>
+            </a:r>
+            <a:r>
+              <a:rPr lang="en-US" dirty="0">
+                <a:solidFill>
+                  <a:srgbClr val="FFFF00"/>
+                </a:solidFill>
+                <a:latin typeface="Arial" panose="020B0604020202020204" pitchFamily="34" charset="0"/>
+                <a:cs typeface="Arial" panose="020B0604020202020204" pitchFamily="34" charset="0"/>
+              </a:rPr>
+              <a:t> </a:t>
+            </a:r>
+            <a:r>
+              <a:rPr lang="en-US" dirty="0" err="1">
+                <a:solidFill>
+                  <a:srgbClr val="FFFF00"/>
+                </a:solidFill>
+                <a:latin typeface="Arial" panose="020B0604020202020204" pitchFamily="34" charset="0"/>
+                <a:cs typeface="Arial" panose="020B0604020202020204" pitchFamily="34" charset="0"/>
+              </a:rPr>
+              <a:t>Thuận</a:t>
+            </a:r>
+            <a:endParaRPr lang="en-US" dirty="0">
+              <a:solidFill>
+                <a:srgbClr val="FFFF00"/>
+              </a:solidFill>
+              <a:latin typeface="Arial" panose="020B0604020202020204" pitchFamily="34" charset="0"/>
+              <a:cs typeface="Arial" panose="020B0604020202020204" pitchFamily="34" charset="0"/>
+            </a:endParaRPr>
+          </a:p>
+          <a:p>
+            <a:pPr marL="457200" indent="-457200">
+              <a:buFont typeface="+mj-lt"/>
+              <a:buAutoNum type="arabicPeriod"/>
+            </a:pPr>
+            <a:r>
+              <a:rPr lang="en-US" dirty="0" err="1">
+                <a:solidFill>
+                  <a:srgbClr val="FFFF00"/>
+                </a:solidFill>
+                <a:latin typeface="Arial" panose="020B0604020202020204" pitchFamily="34" charset="0"/>
+                <a:cs typeface="Arial" panose="020B0604020202020204" pitchFamily="34" charset="0"/>
+              </a:rPr>
+              <a:t>Đặng</a:t>
+            </a:r>
+            <a:r>
+              <a:rPr lang="en-US" dirty="0">
+                <a:solidFill>
+                  <a:srgbClr val="FFFF00"/>
+                </a:solidFill>
+                <a:latin typeface="Arial" panose="020B0604020202020204" pitchFamily="34" charset="0"/>
+                <a:cs typeface="Arial" panose="020B0604020202020204" pitchFamily="34" charset="0"/>
+              </a:rPr>
+              <a:t> </a:t>
+            </a:r>
+            <a:r>
+              <a:rPr lang="en-US" dirty="0" err="1">
+                <a:solidFill>
+                  <a:srgbClr val="FFFF00"/>
+                </a:solidFill>
+                <a:latin typeface="Arial" panose="020B0604020202020204" pitchFamily="34" charset="0"/>
+                <a:cs typeface="Arial" panose="020B0604020202020204" pitchFamily="34" charset="0"/>
+              </a:rPr>
+              <a:t>Văn</a:t>
+            </a:r>
+            <a:r>
+              <a:rPr lang="en-US" dirty="0">
+                <a:solidFill>
+                  <a:srgbClr val="FFFF00"/>
+                </a:solidFill>
+                <a:latin typeface="Arial" panose="020B0604020202020204" pitchFamily="34" charset="0"/>
+                <a:cs typeface="Arial" panose="020B0604020202020204" pitchFamily="34" charset="0"/>
+              </a:rPr>
+              <a:t> </a:t>
+            </a:r>
+            <a:r>
+              <a:rPr lang="en-US" dirty="0" err="1">
+                <a:solidFill>
+                  <a:srgbClr val="FFFF00"/>
+                </a:solidFill>
+                <a:latin typeface="Arial" panose="020B0604020202020204" pitchFamily="34" charset="0"/>
+                <a:cs typeface="Arial" panose="020B0604020202020204" pitchFamily="34" charset="0"/>
+              </a:rPr>
+              <a:t>Tường</a:t>
+            </a:r>
+            <a:endParaRPr lang="en-US" dirty="0">
+              <a:solidFill>
+                <a:srgbClr val="FFFF00"/>
+              </a:solidFill>
+              <a:latin typeface="Arial" panose="020B0604020202020204" pitchFamily="34" charset="0"/>
+              <a:cs typeface="Arial" panose="020B0604020202020204" pitchFamily="34" charset="0"/>
+            </a:endParaRPr>
+          </a:p>
+          <a:p>
+            <a:r>
+              <a:rPr lang="en-US" dirty="0" err="1">
+                <a:solidFill>
+                  <a:srgbClr val="FFFF00"/>
+                </a:solidFill>
+                <a:latin typeface="Arial" panose="020B0604020202020204" pitchFamily="34" charset="0"/>
+                <a:cs typeface="Arial" panose="020B0604020202020204" pitchFamily="34" charset="0"/>
+              </a:rPr>
+              <a:t>Giảng</a:t>
+            </a:r>
+            <a:r>
+              <a:rPr lang="en-US" dirty="0">
+                <a:solidFill>
+                  <a:srgbClr val="FFFF00"/>
+                </a:solidFill>
+                <a:latin typeface="Arial" panose="020B0604020202020204" pitchFamily="34" charset="0"/>
+                <a:cs typeface="Arial" panose="020B0604020202020204" pitchFamily="34" charset="0"/>
+              </a:rPr>
+              <a:t> </a:t>
+            </a:r>
+            <a:r>
+              <a:rPr lang="en-US" dirty="0" err="1">
+                <a:solidFill>
+                  <a:srgbClr val="FFFF00"/>
+                </a:solidFill>
+                <a:latin typeface="Arial" panose="020B0604020202020204" pitchFamily="34" charset="0"/>
+                <a:cs typeface="Arial" panose="020B0604020202020204" pitchFamily="34" charset="0"/>
+              </a:rPr>
+              <a:t>viên</a:t>
+            </a:r>
+            <a:r>
+              <a:rPr lang="en-US" dirty="0">
+                <a:solidFill>
+                  <a:srgbClr val="FFFF00"/>
+                </a:solidFill>
+                <a:latin typeface="Arial" panose="020B0604020202020204" pitchFamily="34" charset="0"/>
+                <a:cs typeface="Arial" panose="020B0604020202020204" pitchFamily="34" charset="0"/>
+              </a:rPr>
+              <a:t> </a:t>
+            </a:r>
+            <a:r>
+              <a:rPr lang="en-US" dirty="0" err="1">
+                <a:solidFill>
+                  <a:srgbClr val="FFFF00"/>
+                </a:solidFill>
+                <a:latin typeface="Arial" panose="020B0604020202020204" pitchFamily="34" charset="0"/>
+                <a:cs typeface="Arial" panose="020B0604020202020204" pitchFamily="34" charset="0"/>
+              </a:rPr>
+              <a:t>hướng</a:t>
+            </a:r>
+            <a:r>
+              <a:rPr lang="en-US" dirty="0">
+                <a:solidFill>
+                  <a:srgbClr val="FFFF00"/>
+                </a:solidFill>
+                <a:latin typeface="Arial" panose="020B0604020202020204" pitchFamily="34" charset="0"/>
+                <a:cs typeface="Arial" panose="020B0604020202020204" pitchFamily="34" charset="0"/>
+              </a:rPr>
+              <a:t> </a:t>
+            </a:r>
+            <a:r>
+              <a:rPr lang="en-US" dirty="0" err="1">
+                <a:solidFill>
+                  <a:srgbClr val="FFFF00"/>
+                </a:solidFill>
+                <a:latin typeface="Arial" panose="020B0604020202020204" pitchFamily="34" charset="0"/>
+                <a:cs typeface="Arial" panose="020B0604020202020204" pitchFamily="34" charset="0"/>
+              </a:rPr>
+              <a:t>dẫn</a:t>
+            </a:r>
+            <a:r>
+              <a:rPr lang="en-US" dirty="0">
+                <a:solidFill>
+                  <a:srgbClr val="FFFF00"/>
                 </a:solidFill>
                 <a:latin typeface="Arial" panose="020B0604020202020204" pitchFamily="34" charset="0"/>
                 <a:cs typeface="Arial" panose="020B0604020202020204" pitchFamily="34" charset="0"/>
@@ -5904,10 +6675,7 @@
             <a:r>
               <a:rPr lang="en-US" dirty="0" err="1">
                 <a:solidFill>
-                  <a:schemeClr val="bg1">
-                    <a:lumMod val="95000"/>
-                    <a:lumOff val="5000"/>
-                  </a:schemeClr>
+                  <a:srgbClr val="FFFF00"/>
                 </a:solidFill>
                 <a:latin typeface="Arial" panose="020B0604020202020204" pitchFamily="34" charset="0"/>
                 <a:cs typeface="Arial" panose="020B0604020202020204" pitchFamily="34" charset="0"/>
@@ -5917,10 +6685,7 @@
             <a:r>
               <a:rPr lang="en-US" dirty="0">
                 <a:solidFill>
-                  <a:schemeClr val="bg1">
-                    <a:lumMod val="95000"/>
-                    <a:lumOff val="5000"/>
-                  </a:schemeClr>
+                  <a:srgbClr val="FFFF00"/>
                 </a:solidFill>
                 <a:latin typeface="Arial" panose="020B0604020202020204" pitchFamily="34" charset="0"/>
                 <a:cs typeface="Arial" panose="020B0604020202020204" pitchFamily="34" charset="0"/>
@@ -5930,10 +6695,7 @@
             <a:r>
               <a:rPr lang="en-US" dirty="0" err="1">
                 <a:solidFill>
-                  <a:schemeClr val="bg1">
-                    <a:lumMod val="95000"/>
-                    <a:lumOff val="5000"/>
-                  </a:schemeClr>
+                  <a:srgbClr val="FFFF00"/>
                 </a:solidFill>
                 <a:latin typeface="Arial" panose="020B0604020202020204" pitchFamily="34" charset="0"/>
                 <a:cs typeface="Arial" panose="020B0604020202020204" pitchFamily="34" charset="0"/>
@@ -5943,10 +6705,7 @@
             <a:r>
               <a:rPr lang="en-US" dirty="0">
                 <a:solidFill>
-                  <a:schemeClr val="bg1">
-                    <a:lumMod val="95000"/>
-                    <a:lumOff val="5000"/>
-                  </a:schemeClr>
+                  <a:srgbClr val="FFFF00"/>
                 </a:solidFill>
                 <a:latin typeface="Arial" panose="020B0604020202020204" pitchFamily="34" charset="0"/>
                 <a:cs typeface="Arial" panose="020B0604020202020204" pitchFamily="34" charset="0"/>
@@ -5956,10 +6715,7 @@
             <a:r>
               <a:rPr lang="en-US" dirty="0" err="1">
                 <a:solidFill>
-                  <a:schemeClr val="bg1">
-                    <a:lumMod val="95000"/>
-                    <a:lumOff val="5000"/>
-                  </a:schemeClr>
+                  <a:srgbClr val="FFFF00"/>
                 </a:solidFill>
                 <a:latin typeface="Arial" panose="020B0604020202020204" pitchFamily="34" charset="0"/>
                 <a:cs typeface="Arial" panose="020B0604020202020204" pitchFamily="34" charset="0"/>
@@ -5969,10 +6725,7 @@
             <a:r>
               <a:rPr lang="en-US" dirty="0">
                 <a:solidFill>
-                  <a:schemeClr val="bg1">
-                    <a:lumMod val="95000"/>
-                    <a:lumOff val="5000"/>
-                  </a:schemeClr>
+                  <a:srgbClr val="FFFF00"/>
                 </a:solidFill>
                 <a:latin typeface="Arial" panose="020B0604020202020204" pitchFamily="34" charset="0"/>
                 <a:cs typeface="Arial" panose="020B0604020202020204" pitchFamily="34" charset="0"/>
@@ -5982,10 +6735,7 @@
             <a:r>
               <a:rPr lang="en-US" dirty="0" err="1">
                 <a:solidFill>
-                  <a:schemeClr val="bg1">
-                    <a:lumMod val="95000"/>
-                    <a:lumOff val="5000"/>
-                  </a:schemeClr>
+                  <a:srgbClr val="FFFF00"/>
                 </a:solidFill>
                 <a:latin typeface="Arial" panose="020B0604020202020204" pitchFamily="34" charset="0"/>
                 <a:cs typeface="Arial" panose="020B0604020202020204" pitchFamily="34" charset="0"/>
@@ -5994,10 +6744,7 @@
             </a:r>
             <a:endParaRPr lang="en-US" dirty="0">
               <a:solidFill>
-                <a:schemeClr val="bg1">
-                  <a:lumMod val="95000"/>
-                  <a:lumOff val="5000"/>
-                </a:schemeClr>
+                <a:srgbClr val="FFFF00"/>
               </a:solidFill>
               <a:latin typeface="Arial" panose="020B0604020202020204" pitchFamily="34" charset="0"/>
               <a:cs typeface="Arial" panose="020B0604020202020204" pitchFamily="34" charset="0"/>
@@ -6095,7 +6842,7 @@
 </p:sld>
 </file>
 
-<file path=ppt/slides/slide2.xml><?xml version="1.0" encoding="utf-8"?>
+<file path=ppt/slides/slide3.xml><?xml version="1.0" encoding="utf-8"?>
 <p:sld xmlns:a="http://schemas.openxmlformats.org/drawingml/2006/main" xmlns:r="http://schemas.openxmlformats.org/officeDocument/2006/relationships" xmlns:p="http://schemas.openxmlformats.org/presentationml/2006/main">
   <p:cSld>
     <p:spTree>
@@ -6140,12 +6887,18 @@
           <a:p>
             <a:r>
               <a:rPr lang="en-US" dirty="0">
+                <a:solidFill>
+                  <a:srgbClr val="FFFF00"/>
+                </a:solidFill>
                 <a:latin typeface="Arial" panose="020B0604020202020204" pitchFamily="34" charset="0"/>
                 <a:cs typeface="Arial" panose="020B0604020202020204" pitchFamily="34" charset="0"/>
               </a:rPr>
               <a:t>1. GIỚI THIỆU</a:t>
             </a:r>
             <a:endParaRPr lang="vi-VN" dirty="0">
+              <a:solidFill>
+                <a:srgbClr val="FFFF00"/>
+              </a:solidFill>
               <a:latin typeface="Arial" panose="020B0604020202020204" pitchFamily="34" charset="0"/>
               <a:cs typeface="Arial" panose="020B0604020202020204" pitchFamily="34" charset="0"/>
             </a:endParaRPr>
@@ -6236,7 +6989,7 @@
             <a:r>
               <a:rPr lang="en-US" dirty="0" err="1">
                 <a:solidFill>
-                  <a:srgbClr val="FF0000"/>
+                  <a:srgbClr val="FFFF00"/>
                 </a:solidFill>
                 <a:latin typeface="Arial" panose="020B0604020202020204" pitchFamily="34" charset="0"/>
                 <a:ea typeface="Tahoma" panose="020B0604030504040204" pitchFamily="34" charset="0"/>
@@ -6247,7 +7000,7 @@
             <a:r>
               <a:rPr lang="en-US" dirty="0">
                 <a:solidFill>
-                  <a:srgbClr val="FF0000"/>
+                  <a:srgbClr val="FFFF00"/>
                 </a:solidFill>
                 <a:latin typeface="Arial" panose="020B0604020202020204" pitchFamily="34" charset="0"/>
                 <a:ea typeface="Tahoma" panose="020B0604030504040204" pitchFamily="34" charset="0"/>
@@ -6258,7 +7011,7 @@
             <a:r>
               <a:rPr lang="en-US" dirty="0" err="1">
                 <a:solidFill>
-                  <a:srgbClr val="FF0000"/>
+                  <a:srgbClr val="FFFF00"/>
                 </a:solidFill>
                 <a:latin typeface="Arial" panose="020B0604020202020204" pitchFamily="34" charset="0"/>
                 <a:ea typeface="Tahoma" panose="020B0604030504040204" pitchFamily="34" charset="0"/>
@@ -6268,7 +7021,7 @@
             </a:r>
             <a:endParaRPr lang="en-US" dirty="0">
               <a:solidFill>
-                <a:srgbClr val="FF0000"/>
+                <a:srgbClr val="FFFF00"/>
               </a:solidFill>
               <a:latin typeface="Arial" panose="020B0604020202020204" pitchFamily="34" charset="0"/>
               <a:ea typeface="Tahoma" panose="020B0604030504040204" pitchFamily="34" charset="0"/>
@@ -6283,10 +7036,7 @@
             <a:r>
               <a:rPr lang="en-US" dirty="0" err="1">
                 <a:solidFill>
-                  <a:schemeClr val="bg1">
-                    <a:lumMod val="95000"/>
-                    <a:lumOff val="5000"/>
-                  </a:schemeClr>
+                  <a:schemeClr val="tx2"/>
                 </a:solidFill>
                 <a:latin typeface="Arial" panose="020B0604020202020204" pitchFamily="34" charset="0"/>
                 <a:ea typeface="Tahoma" panose="020B0604030504040204" pitchFamily="34" charset="0"/>
@@ -6297,10 +7047,7 @@
             <a:r>
               <a:rPr lang="en-US" dirty="0">
                 <a:solidFill>
-                  <a:schemeClr val="bg1">
-                    <a:lumMod val="95000"/>
-                    <a:lumOff val="5000"/>
-                  </a:schemeClr>
+                  <a:schemeClr val="tx2"/>
                 </a:solidFill>
                 <a:latin typeface="Arial" panose="020B0604020202020204" pitchFamily="34" charset="0"/>
                 <a:ea typeface="Tahoma" panose="020B0604030504040204" pitchFamily="34" charset="0"/>
@@ -6311,10 +7058,7 @@
             <a:r>
               <a:rPr lang="en-US" dirty="0" err="1">
                 <a:solidFill>
-                  <a:schemeClr val="bg1">
-                    <a:lumMod val="95000"/>
-                    <a:lumOff val="5000"/>
-                  </a:schemeClr>
+                  <a:schemeClr val="tx2"/>
                 </a:solidFill>
                 <a:latin typeface="Arial" panose="020B0604020202020204" pitchFamily="34" charset="0"/>
                 <a:ea typeface="Tahoma" panose="020B0604030504040204" pitchFamily="34" charset="0"/>
@@ -6325,10 +7069,7 @@
             <a:r>
               <a:rPr lang="en-US" dirty="0">
                 <a:solidFill>
-                  <a:schemeClr val="bg1">
-                    <a:lumMod val="95000"/>
-                    <a:lumOff val="5000"/>
-                  </a:schemeClr>
+                  <a:schemeClr val="tx2"/>
                 </a:solidFill>
                 <a:latin typeface="Arial" panose="020B0604020202020204" pitchFamily="34" charset="0"/>
                 <a:ea typeface="Tahoma" panose="020B0604030504040204" pitchFamily="34" charset="0"/>
@@ -6339,10 +7080,7 @@
             <a:r>
               <a:rPr lang="en-US" dirty="0" err="1">
                 <a:solidFill>
-                  <a:schemeClr val="bg1">
-                    <a:lumMod val="95000"/>
-                    <a:lumOff val="5000"/>
-                  </a:schemeClr>
+                  <a:schemeClr val="tx2"/>
                 </a:solidFill>
                 <a:latin typeface="Arial" panose="020B0604020202020204" pitchFamily="34" charset="0"/>
                 <a:ea typeface="Tahoma" panose="020B0604030504040204" pitchFamily="34" charset="0"/>
@@ -6352,10 +7090,7 @@
             </a:r>
             <a:endParaRPr lang="en-US" dirty="0">
               <a:solidFill>
-                <a:schemeClr val="bg1">
-                  <a:lumMod val="95000"/>
-                  <a:lumOff val="5000"/>
-                </a:schemeClr>
+                <a:schemeClr val="tx2"/>
               </a:solidFill>
               <a:latin typeface="Arial" panose="020B0604020202020204" pitchFamily="34" charset="0"/>
               <a:ea typeface="Tahoma" panose="020B0604030504040204" pitchFamily="34" charset="0"/>
@@ -6370,10 +7105,7 @@
             <a:r>
               <a:rPr lang="en-US" dirty="0" err="1">
                 <a:solidFill>
-                  <a:schemeClr val="bg1">
-                    <a:lumMod val="95000"/>
-                    <a:lumOff val="5000"/>
-                  </a:schemeClr>
+                  <a:schemeClr val="tx2"/>
                 </a:solidFill>
                 <a:latin typeface="Arial" panose="020B0604020202020204" pitchFamily="34" charset="0"/>
                 <a:ea typeface="Tahoma" panose="020B0604030504040204" pitchFamily="34" charset="0"/>
@@ -6384,10 +7116,7 @@
             <a:r>
               <a:rPr lang="en-US" dirty="0">
                 <a:solidFill>
-                  <a:schemeClr val="bg1">
-                    <a:lumMod val="95000"/>
-                    <a:lumOff val="5000"/>
-                  </a:schemeClr>
+                  <a:schemeClr val="tx2"/>
                 </a:solidFill>
                 <a:latin typeface="Arial" panose="020B0604020202020204" pitchFamily="34" charset="0"/>
                 <a:ea typeface="Tahoma" panose="020B0604030504040204" pitchFamily="34" charset="0"/>
@@ -6398,10 +7127,7 @@
             <a:r>
               <a:rPr lang="en-US" dirty="0" err="1">
                 <a:solidFill>
-                  <a:schemeClr val="bg1">
-                    <a:lumMod val="95000"/>
-                    <a:lumOff val="5000"/>
-                  </a:schemeClr>
+                  <a:schemeClr val="tx2"/>
                 </a:solidFill>
                 <a:latin typeface="Arial" panose="020B0604020202020204" pitchFamily="34" charset="0"/>
                 <a:ea typeface="Tahoma" panose="020B0604030504040204" pitchFamily="34" charset="0"/>
@@ -6411,10 +7137,7 @@
             </a:r>
             <a:endParaRPr lang="en-US" dirty="0">
               <a:solidFill>
-                <a:schemeClr val="bg1">
-                  <a:lumMod val="95000"/>
-                  <a:lumOff val="5000"/>
-                </a:schemeClr>
+                <a:schemeClr val="tx2"/>
               </a:solidFill>
               <a:latin typeface="Arial" panose="020B0604020202020204" pitchFamily="34" charset="0"/>
               <a:ea typeface="Tahoma" panose="020B0604030504040204" pitchFamily="34" charset="0"/>
@@ -6429,10 +7152,7 @@
             <a:r>
               <a:rPr lang="en-US" dirty="0" err="1">
                 <a:solidFill>
-                  <a:schemeClr val="bg1">
-                    <a:lumMod val="95000"/>
-                    <a:lumOff val="5000"/>
-                  </a:schemeClr>
+                  <a:schemeClr val="tx2"/>
                 </a:solidFill>
                 <a:latin typeface="Arial" panose="020B0604020202020204" pitchFamily="34" charset="0"/>
                 <a:ea typeface="Tahoma" panose="020B0604030504040204" pitchFamily="34" charset="0"/>
@@ -6443,10 +7163,7 @@
             <a:r>
               <a:rPr lang="en-US" dirty="0">
                 <a:solidFill>
-                  <a:schemeClr val="bg1">
-                    <a:lumMod val="95000"/>
-                    <a:lumOff val="5000"/>
-                  </a:schemeClr>
+                  <a:schemeClr val="tx2"/>
                 </a:solidFill>
                 <a:latin typeface="Arial" panose="020B0604020202020204" pitchFamily="34" charset="0"/>
                 <a:ea typeface="Tahoma" panose="020B0604030504040204" pitchFamily="34" charset="0"/>
@@ -6457,10 +7174,7 @@
             <a:r>
               <a:rPr lang="en-US" dirty="0" err="1">
                 <a:solidFill>
-                  <a:schemeClr val="bg1">
-                    <a:lumMod val="95000"/>
-                    <a:lumOff val="5000"/>
-                  </a:schemeClr>
+                  <a:schemeClr val="tx2"/>
                 </a:solidFill>
                 <a:latin typeface="Arial" panose="020B0604020202020204" pitchFamily="34" charset="0"/>
                 <a:ea typeface="Tahoma" panose="020B0604030504040204" pitchFamily="34" charset="0"/>
@@ -6470,10 +7184,7 @@
             </a:r>
             <a:endParaRPr lang="vi-VN" dirty="0">
               <a:solidFill>
-                <a:schemeClr val="bg1">
-                  <a:lumMod val="95000"/>
-                  <a:lumOff val="5000"/>
-                </a:schemeClr>
+                <a:schemeClr val="tx2"/>
               </a:solidFill>
               <a:latin typeface="Arial" panose="020B0604020202020204" pitchFamily="34" charset="0"/>
               <a:ea typeface="Tahoma" panose="020B0604030504040204" pitchFamily="34" charset="0"/>
@@ -6543,7 +7254,7 @@
             <a:r>
               <a:rPr lang="en-US" sz="2000" dirty="0" err="1">
                 <a:solidFill>
-                  <a:schemeClr val="bg1"/>
+                  <a:srgbClr val="FFFF00"/>
                 </a:solidFill>
                 <a:latin typeface="Arial" panose="020B0604020202020204" pitchFamily="34" charset="0"/>
                 <a:cs typeface="Arial" panose="020B0604020202020204" pitchFamily="34" charset="0"/>
@@ -6553,7 +7264,7 @@
             <a:r>
               <a:rPr lang="en-US" sz="2000" dirty="0">
                 <a:solidFill>
-                  <a:schemeClr val="bg1"/>
+                  <a:srgbClr val="FFFF00"/>
                 </a:solidFill>
                 <a:latin typeface="Arial" panose="020B0604020202020204" pitchFamily="34" charset="0"/>
                 <a:cs typeface="Arial" panose="020B0604020202020204" pitchFamily="34" charset="0"/>
@@ -6563,7 +7274,7 @@
             <a:r>
               <a:rPr lang="en-US" sz="2000" dirty="0" err="1">
                 <a:solidFill>
-                  <a:schemeClr val="bg1"/>
+                  <a:srgbClr val="FFFF00"/>
                 </a:solidFill>
                 <a:latin typeface="Arial" panose="020B0604020202020204" pitchFamily="34" charset="0"/>
                 <a:cs typeface="Arial" panose="020B0604020202020204" pitchFamily="34" charset="0"/>
@@ -6573,7 +7284,7 @@
             <a:r>
               <a:rPr lang="en-US" sz="2000" dirty="0">
                 <a:solidFill>
-                  <a:schemeClr val="bg1"/>
+                  <a:srgbClr val="FFFF00"/>
                 </a:solidFill>
                 <a:latin typeface="Arial" panose="020B0604020202020204" pitchFamily="34" charset="0"/>
                 <a:cs typeface="Arial" panose="020B0604020202020204" pitchFamily="34" charset="0"/>
@@ -6583,7 +7294,7 @@
             <a:r>
               <a:rPr lang="en-US" sz="2000" dirty="0" err="1">
                 <a:solidFill>
-                  <a:schemeClr val="bg1"/>
+                  <a:srgbClr val="FFFF00"/>
                 </a:solidFill>
                 <a:latin typeface="Arial" panose="020B0604020202020204" pitchFamily="34" charset="0"/>
                 <a:cs typeface="Arial" panose="020B0604020202020204" pitchFamily="34" charset="0"/>
@@ -6593,7 +7304,7 @@
             <a:r>
               <a:rPr lang="en-US" sz="2000" dirty="0">
                 <a:solidFill>
-                  <a:schemeClr val="bg1"/>
+                  <a:srgbClr val="FFFF00"/>
                 </a:solidFill>
                 <a:latin typeface="Arial" panose="020B0604020202020204" pitchFamily="34" charset="0"/>
                 <a:cs typeface="Arial" panose="020B0604020202020204" pitchFamily="34" charset="0"/>
@@ -6603,7 +7314,7 @@
             <a:r>
               <a:rPr lang="en-US" sz="2000" dirty="0" err="1">
                 <a:solidFill>
-                  <a:schemeClr val="bg1"/>
+                  <a:srgbClr val="FFFF00"/>
                 </a:solidFill>
                 <a:latin typeface="Arial" panose="020B0604020202020204" pitchFamily="34" charset="0"/>
                 <a:cs typeface="Arial" panose="020B0604020202020204" pitchFamily="34" charset="0"/>
@@ -6613,7 +7324,7 @@
             <a:r>
               <a:rPr lang="en-US" sz="2000" dirty="0">
                 <a:solidFill>
-                  <a:schemeClr val="bg1"/>
+                  <a:srgbClr val="FFFF00"/>
                 </a:solidFill>
                 <a:latin typeface="Arial" panose="020B0604020202020204" pitchFamily="34" charset="0"/>
                 <a:cs typeface="Arial" panose="020B0604020202020204" pitchFamily="34" charset="0"/>
@@ -6623,7 +7334,7 @@
             <a:r>
               <a:rPr lang="en-US" sz="2000" dirty="0" err="1">
                 <a:solidFill>
-                  <a:schemeClr val="bg1"/>
+                  <a:srgbClr val="FFFF00"/>
                 </a:solidFill>
                 <a:latin typeface="Arial" panose="020B0604020202020204" pitchFamily="34" charset="0"/>
                 <a:cs typeface="Arial" panose="020B0604020202020204" pitchFamily="34" charset="0"/>
@@ -6633,7 +7344,7 @@
             <a:r>
               <a:rPr lang="en-US" sz="2000" dirty="0">
                 <a:solidFill>
-                  <a:schemeClr val="bg1"/>
+                  <a:srgbClr val="FFFF00"/>
                 </a:solidFill>
                 <a:latin typeface="Arial" panose="020B0604020202020204" pitchFamily="34" charset="0"/>
                 <a:cs typeface="Arial" panose="020B0604020202020204" pitchFamily="34" charset="0"/>
@@ -6642,7 +7353,7 @@
             </a:r>
             <a:endParaRPr lang="vi-VN" sz="2000" dirty="0">
               <a:solidFill>
-                <a:schemeClr val="bg1"/>
+                <a:srgbClr val="FFFF00"/>
               </a:solidFill>
               <a:latin typeface="Arial" panose="020B0604020202020204" pitchFamily="34" charset="0"/>
               <a:cs typeface="Arial" panose="020B0604020202020204" pitchFamily="34" charset="0"/>
@@ -6663,7 +7374,7 @@
 </p:sld>
 </file>
 
-<file path=ppt/slides/slide3.xml><?xml version="1.0" encoding="utf-8"?>
+<file path=ppt/slides/slide4.xml><?xml version="1.0" encoding="utf-8"?>
 <p:sld xmlns:a="http://schemas.openxmlformats.org/drawingml/2006/main" xmlns:r="http://schemas.openxmlformats.org/officeDocument/2006/relationships" xmlns:p="http://schemas.openxmlformats.org/presentationml/2006/main">
   <p:cSld>
     <p:spTree>
@@ -6793,7 +7504,7 @@
             <a:r>
               <a:rPr lang="en-US" b="1" i="0" dirty="0">
                 <a:solidFill>
-                  <a:srgbClr val="123654"/>
+                  <a:srgbClr val="FFFF00"/>
                 </a:solidFill>
                 <a:effectLst/>
                 <a:latin typeface="Arial" panose="020B0604020202020204" pitchFamily="34" charset="0"/>
@@ -6802,7 +7513,7 @@
             </a:r>
             <a:endParaRPr lang="en-US" b="0" i="0" dirty="0">
               <a:solidFill>
-                <a:srgbClr val="123654"/>
+                <a:srgbClr val="FFFF00"/>
               </a:solidFill>
               <a:effectLst/>
               <a:latin typeface="Arial" panose="020B0604020202020204" pitchFamily="34" charset="0"/>
@@ -6813,7 +7524,7 @@
             <a:r>
               <a:rPr lang="en-US" sz="1800" b="0" i="0" dirty="0">
                 <a:solidFill>
-                  <a:srgbClr val="123654"/>
+                  <a:srgbClr val="FFFF00"/>
                 </a:solidFill>
                 <a:effectLst/>
                 <a:latin typeface="Arial" panose="020B0604020202020204" pitchFamily="34" charset="0"/>
@@ -6823,7 +7534,7 @@
             <a:br>
               <a:rPr lang="en-US" sz="1800" b="0" i="0" dirty="0">
                 <a:solidFill>
-                  <a:srgbClr val="123654"/>
+                  <a:srgbClr val="FFFF00"/>
                 </a:solidFill>
                 <a:effectLst/>
                 <a:latin typeface="Arial" panose="020B0604020202020204" pitchFamily="34" charset="0"/>
@@ -6832,7 +7543,7 @@
             <a:br>
               <a:rPr lang="en-US" sz="1800" b="0" i="0" dirty="0">
                 <a:solidFill>
-                  <a:srgbClr val="123654"/>
+                  <a:srgbClr val="FFFF00"/>
                 </a:solidFill>
                 <a:effectLst/>
                 <a:latin typeface="Arial" panose="020B0604020202020204" pitchFamily="34" charset="0"/>
@@ -6841,7 +7552,7 @@
             <a:r>
               <a:rPr lang="en-US" sz="1800" b="0" i="0" dirty="0">
                 <a:solidFill>
-                  <a:srgbClr val="123654"/>
+                  <a:srgbClr val="FFFF00"/>
                 </a:solidFill>
                 <a:effectLst/>
                 <a:latin typeface="Arial" panose="020B0604020202020204" pitchFamily="34" charset="0"/>
@@ -6854,7 +7565,7 @@
             <a:r>
               <a:rPr lang="vi-VN" sz="1600" b="0" i="0" dirty="0">
                 <a:solidFill>
-                  <a:srgbClr val="123654"/>
+                  <a:srgbClr val="FFFF00"/>
                 </a:solidFill>
                 <a:effectLst/>
                 <a:latin typeface="Arial" panose="020B0604020202020204" pitchFamily="34" charset="0"/>
@@ -6864,24 +7575,34 @@
             <a:r>
               <a:rPr lang="vi-VN" sz="1600" b="0" i="0" dirty="0">
                 <a:solidFill>
-                  <a:srgbClr val="123654"/>
+                  <a:srgbClr val="FFFF00"/>
                 </a:solidFill>
                 <a:effectLst/>
                 <a:latin typeface="Arial" panose="020B0604020202020204" pitchFamily="34" charset="0"/>
-                <a:hlinkClick r:id="rId2"/>
+                <a:hlinkClick r:id="rId2">
+                  <a:extLst>
+                    <a:ext uri="{A12FA001-AC4F-418D-AE19-62706E023703}">
+                      <ahyp:hlinkClr xmlns:ahyp="http://schemas.microsoft.com/office/drawing/2018/hyperlinkcolor" val="tx"/>
+                    </a:ext>
+                  </a:extLst>
+                </a:hlinkClick>
               </a:rPr>
               <a:t>http://capitalbikeshare.com/system-data</a:t>
             </a:r>
             <a:endParaRPr lang="en-US" sz="1800" b="0" i="0" dirty="0">
               <a:solidFill>
-                <a:srgbClr val="123654"/>
+                <a:srgbClr val="FFFF00"/>
               </a:solidFill>
               <a:effectLst/>
               <a:latin typeface="Arial" panose="020B0604020202020204" pitchFamily="34" charset="0"/>
             </a:endParaRPr>
           </a:p>
           <a:p>
-            <a:endParaRPr lang="vi-VN" dirty="0"/>
+            <a:endParaRPr lang="vi-VN" dirty="0">
+              <a:solidFill>
+                <a:srgbClr val="FFFF00"/>
+              </a:solidFill>
+            </a:endParaRPr>
           </a:p>
         </p:txBody>
       </p:sp>
@@ -6898,7 +7619,7 @@
 </p:sld>
 </file>
 
-<file path=ppt/slides/slide4.xml><?xml version="1.0" encoding="utf-8"?>
+<file path=ppt/slides/slide5.xml><?xml version="1.0" encoding="utf-8"?>
 <p:sld xmlns:a="http://schemas.openxmlformats.org/drawingml/2006/main" xmlns:r="http://schemas.openxmlformats.org/officeDocument/2006/relationships" xmlns:p="http://schemas.openxmlformats.org/presentationml/2006/main">
   <p:cSld>
     <p:spTree>
@@ -7038,9 +7759,6 @@
             </a:pPr>
             <a:r>
               <a:rPr lang="en-US" dirty="0" err="1">
-                <a:solidFill>
-                  <a:schemeClr val="bg1"/>
-                </a:solidFill>
                 <a:latin typeface="Arial" panose="020B0604020202020204" pitchFamily="34" charset="0"/>
                 <a:ea typeface="Tahoma" panose="020B0604030504040204" pitchFamily="34" charset="0"/>
                 <a:cs typeface="Arial" panose="020B0604020202020204" pitchFamily="34" charset="0"/>
@@ -7049,9 +7767,6 @@
             </a:r>
             <a:r>
               <a:rPr lang="en-US" dirty="0">
-                <a:solidFill>
-                  <a:schemeClr val="bg1"/>
-                </a:solidFill>
                 <a:latin typeface="Arial" panose="020B0604020202020204" pitchFamily="34" charset="0"/>
                 <a:ea typeface="Tahoma" panose="020B0604030504040204" pitchFamily="34" charset="0"/>
                 <a:cs typeface="Arial" panose="020B0604020202020204" pitchFamily="34" charset="0"/>
@@ -7060,18 +7775,81 @@
             </a:r>
             <a:r>
               <a:rPr lang="en-US" dirty="0" err="1">
-                <a:solidFill>
-                  <a:schemeClr val="bg1"/>
-                </a:solidFill>
                 <a:latin typeface="Arial" panose="020B0604020202020204" pitchFamily="34" charset="0"/>
                 <a:ea typeface="Tahoma" panose="020B0604030504040204" pitchFamily="34" charset="0"/>
                 <a:cs typeface="Arial" panose="020B0604020202020204" pitchFamily="34" charset="0"/>
               </a:rPr>
               <a:t>thiệu</a:t>
+            </a:r>
+            <a:endParaRPr lang="en-US" dirty="0">
+              <a:latin typeface="Arial" panose="020B0604020202020204" pitchFamily="34" charset="0"/>
+              <a:ea typeface="Tahoma" panose="020B0604030504040204" pitchFamily="34" charset="0"/>
+              <a:cs typeface="Arial" panose="020B0604020202020204" pitchFamily="34" charset="0"/>
+            </a:endParaRPr>
+          </a:p>
+          <a:p>
+            <a:pPr marL="342900" indent="-342900">
+              <a:buFont typeface="+mj-lt"/>
+              <a:buAutoNum type="arabicPeriod"/>
+            </a:pPr>
+            <a:r>
+              <a:rPr lang="en-US" dirty="0" err="1">
+                <a:solidFill>
+                  <a:srgbClr val="FFFF00"/>
+                </a:solidFill>
+                <a:latin typeface="Arial" panose="020B0604020202020204" pitchFamily="34" charset="0"/>
+                <a:ea typeface="Tahoma" panose="020B0604030504040204" pitchFamily="34" charset="0"/>
+                <a:cs typeface="Arial" panose="020B0604020202020204" pitchFamily="34" charset="0"/>
+              </a:rPr>
+              <a:t>Tiền</a:t>
+            </a:r>
+            <a:r>
+              <a:rPr lang="en-US" dirty="0">
+                <a:solidFill>
+                  <a:srgbClr val="FFFF00"/>
+                </a:solidFill>
+                <a:latin typeface="Arial" panose="020B0604020202020204" pitchFamily="34" charset="0"/>
+                <a:ea typeface="Tahoma" panose="020B0604030504040204" pitchFamily="34" charset="0"/>
+                <a:cs typeface="Arial" panose="020B0604020202020204" pitchFamily="34" charset="0"/>
+              </a:rPr>
+              <a:t> </a:t>
+            </a:r>
+            <a:r>
+              <a:rPr lang="en-US" dirty="0" err="1">
+                <a:solidFill>
+                  <a:srgbClr val="FFFF00"/>
+                </a:solidFill>
+                <a:latin typeface="Arial" panose="020B0604020202020204" pitchFamily="34" charset="0"/>
+                <a:ea typeface="Tahoma" panose="020B0604030504040204" pitchFamily="34" charset="0"/>
+                <a:cs typeface="Arial" panose="020B0604020202020204" pitchFamily="34" charset="0"/>
+              </a:rPr>
+              <a:t>xử</a:t>
+            </a:r>
+            <a:r>
+              <a:rPr lang="en-US" dirty="0">
+                <a:solidFill>
+                  <a:srgbClr val="FFFF00"/>
+                </a:solidFill>
+                <a:latin typeface="Arial" panose="020B0604020202020204" pitchFamily="34" charset="0"/>
+                <a:ea typeface="Tahoma" panose="020B0604030504040204" pitchFamily="34" charset="0"/>
+                <a:cs typeface="Arial" panose="020B0604020202020204" pitchFamily="34" charset="0"/>
+              </a:rPr>
+              <a:t> </a:t>
+            </a:r>
+            <a:r>
+              <a:rPr lang="en-US" dirty="0" err="1">
+                <a:solidFill>
+                  <a:srgbClr val="FFFF00"/>
+                </a:solidFill>
+                <a:latin typeface="Arial" panose="020B0604020202020204" pitchFamily="34" charset="0"/>
+                <a:ea typeface="Tahoma" panose="020B0604030504040204" pitchFamily="34" charset="0"/>
+                <a:cs typeface="Arial" panose="020B0604020202020204" pitchFamily="34" charset="0"/>
+              </a:rPr>
+              <a:t>lý</a:t>
             </a:r>
             <a:endParaRPr lang="en-US" dirty="0">
               <a:solidFill>
-                <a:schemeClr val="bg1"/>
+                <a:srgbClr val="FFFF00"/>
               </a:solidFill>
               <a:latin typeface="Arial" panose="020B0604020202020204" pitchFamily="34" charset="0"/>
               <a:ea typeface="Tahoma" panose="020B0604030504040204" pitchFamily="34" charset="0"/>
@@ -7085,20 +7863,14 @@
             </a:pPr>
             <a:r>
               <a:rPr lang="en-US" dirty="0" err="1">
-                <a:solidFill>
-                  <a:srgbClr val="FF0000"/>
-                </a:solidFill>
                 <a:latin typeface="Arial" panose="020B0604020202020204" pitchFamily="34" charset="0"/>
                 <a:ea typeface="Tahoma" panose="020B0604030504040204" pitchFamily="34" charset="0"/>
                 <a:cs typeface="Arial" panose="020B0604020202020204" pitchFamily="34" charset="0"/>
               </a:rPr>
-              <a:t>Tiền</a:t>
+              <a:t>Giải</a:t>
             </a:r>
             <a:r>
               <a:rPr lang="en-US" dirty="0">
-                <a:solidFill>
-                  <a:srgbClr val="FF0000"/>
-                </a:solidFill>
                 <a:latin typeface="Arial" panose="020B0604020202020204" pitchFamily="34" charset="0"/>
                 <a:ea typeface="Tahoma" panose="020B0604030504040204" pitchFamily="34" charset="0"/>
                 <a:cs typeface="Arial" panose="020B0604020202020204" pitchFamily="34" charset="0"/>
@@ -7107,41 +7879,13 @@
             </a:r>
             <a:r>
               <a:rPr lang="en-US" dirty="0" err="1">
-                <a:solidFill>
-                  <a:srgbClr val="FF0000"/>
-                </a:solidFill>
                 <a:latin typeface="Arial" panose="020B0604020202020204" pitchFamily="34" charset="0"/>
                 <a:ea typeface="Tahoma" panose="020B0604030504040204" pitchFamily="34" charset="0"/>
                 <a:cs typeface="Arial" panose="020B0604020202020204" pitchFamily="34" charset="0"/>
               </a:rPr>
-              <a:t>xử</a:t>
-            </a:r>
-            <a:r>
-              <a:rPr lang="en-US" dirty="0">
-                <a:solidFill>
-                  <a:srgbClr val="FF0000"/>
-                </a:solidFill>
-                <a:latin typeface="Arial" panose="020B0604020202020204" pitchFamily="34" charset="0"/>
-                <a:ea typeface="Tahoma" panose="020B0604030504040204" pitchFamily="34" charset="0"/>
-                <a:cs typeface="Arial" panose="020B0604020202020204" pitchFamily="34" charset="0"/>
-              </a:rPr>
-              <a:t> </a:t>
-            </a:r>
-            <a:r>
-              <a:rPr lang="en-US" dirty="0" err="1">
-                <a:solidFill>
-                  <a:srgbClr val="FF0000"/>
-                </a:solidFill>
-                <a:latin typeface="Arial" panose="020B0604020202020204" pitchFamily="34" charset="0"/>
-                <a:ea typeface="Tahoma" panose="020B0604030504040204" pitchFamily="34" charset="0"/>
-                <a:cs typeface="Arial" panose="020B0604020202020204" pitchFamily="34" charset="0"/>
-              </a:rPr>
-              <a:t>lý</a:t>
+              <a:t>thuật</a:t>
             </a:r>
             <a:endParaRPr lang="en-US" dirty="0">
-              <a:solidFill>
-                <a:srgbClr val="FF0000"/>
-              </a:solidFill>
               <a:latin typeface="Arial" panose="020B0604020202020204" pitchFamily="34" charset="0"/>
               <a:ea typeface="Tahoma" panose="020B0604030504040204" pitchFamily="34" charset="0"/>
               <a:cs typeface="Arial" panose="020B0604020202020204" pitchFamily="34" charset="0"/>
@@ -7154,26 +7898,14 @@
             </a:pPr>
             <a:r>
               <a:rPr lang="en-US" dirty="0" err="1">
-                <a:solidFill>
-                  <a:schemeClr val="bg1">
-                    <a:lumMod val="95000"/>
-                    <a:lumOff val="5000"/>
-                  </a:schemeClr>
-                </a:solidFill>
                 <a:latin typeface="Arial" panose="020B0604020202020204" pitchFamily="34" charset="0"/>
                 <a:ea typeface="Tahoma" panose="020B0604030504040204" pitchFamily="34" charset="0"/>
                 <a:cs typeface="Arial" panose="020B0604020202020204" pitchFamily="34" charset="0"/>
               </a:rPr>
-              <a:t>Giải</a:t>
+              <a:t>Đánh</a:t>
             </a:r>
             <a:r>
               <a:rPr lang="en-US" dirty="0">
-                <a:solidFill>
-                  <a:schemeClr val="bg1">
-                    <a:lumMod val="95000"/>
-                    <a:lumOff val="5000"/>
-                  </a:schemeClr>
-                </a:solidFill>
                 <a:latin typeface="Arial" panose="020B0604020202020204" pitchFamily="34" charset="0"/>
                 <a:ea typeface="Tahoma" panose="020B0604030504040204" pitchFamily="34" charset="0"/>
                 <a:cs typeface="Arial" panose="020B0604020202020204" pitchFamily="34" charset="0"/>
@@ -7182,84 +7914,13 @@
             </a:r>
             <a:r>
               <a:rPr lang="en-US" dirty="0" err="1">
-                <a:solidFill>
-                  <a:schemeClr val="bg1">
-                    <a:lumMod val="95000"/>
-                    <a:lumOff val="5000"/>
-                  </a:schemeClr>
-                </a:solidFill>
                 <a:latin typeface="Arial" panose="020B0604020202020204" pitchFamily="34" charset="0"/>
                 <a:ea typeface="Tahoma" panose="020B0604030504040204" pitchFamily="34" charset="0"/>
                 <a:cs typeface="Arial" panose="020B0604020202020204" pitchFamily="34" charset="0"/>
               </a:rPr>
-              <a:t>thuật</a:t>
-            </a:r>
-            <a:endParaRPr lang="en-US" dirty="0">
-              <a:solidFill>
-                <a:schemeClr val="bg1">
-                  <a:lumMod val="95000"/>
-                  <a:lumOff val="5000"/>
-                </a:schemeClr>
-              </a:solidFill>
-              <a:latin typeface="Arial" panose="020B0604020202020204" pitchFamily="34" charset="0"/>
-              <a:ea typeface="Tahoma" panose="020B0604030504040204" pitchFamily="34" charset="0"/>
-              <a:cs typeface="Arial" panose="020B0604020202020204" pitchFamily="34" charset="0"/>
-            </a:endParaRPr>
-          </a:p>
-          <a:p>
-            <a:pPr marL="342900" indent="-342900">
-              <a:buFont typeface="+mj-lt"/>
-              <a:buAutoNum type="arabicPeriod"/>
-            </a:pPr>
-            <a:r>
-              <a:rPr lang="en-US" dirty="0" err="1">
-                <a:solidFill>
-                  <a:schemeClr val="bg1">
-                    <a:lumMod val="95000"/>
-                    <a:lumOff val="5000"/>
-                  </a:schemeClr>
-                </a:solidFill>
-                <a:latin typeface="Arial" panose="020B0604020202020204" pitchFamily="34" charset="0"/>
-                <a:ea typeface="Tahoma" panose="020B0604030504040204" pitchFamily="34" charset="0"/>
-                <a:cs typeface="Arial" panose="020B0604020202020204" pitchFamily="34" charset="0"/>
-              </a:rPr>
-              <a:t>Đánh</a:t>
-            </a:r>
-            <a:r>
-              <a:rPr lang="en-US" dirty="0">
-                <a:solidFill>
-                  <a:schemeClr val="bg1">
-                    <a:lumMod val="95000"/>
-                    <a:lumOff val="5000"/>
-                  </a:schemeClr>
-                </a:solidFill>
-                <a:latin typeface="Arial" panose="020B0604020202020204" pitchFamily="34" charset="0"/>
-                <a:ea typeface="Tahoma" panose="020B0604030504040204" pitchFamily="34" charset="0"/>
-                <a:cs typeface="Arial" panose="020B0604020202020204" pitchFamily="34" charset="0"/>
-              </a:rPr>
-              <a:t> </a:t>
-            </a:r>
-            <a:r>
-              <a:rPr lang="en-US" dirty="0" err="1">
-                <a:solidFill>
-                  <a:schemeClr val="bg1">
-                    <a:lumMod val="95000"/>
-                    <a:lumOff val="5000"/>
-                  </a:schemeClr>
-                </a:solidFill>
-                <a:latin typeface="Arial" panose="020B0604020202020204" pitchFamily="34" charset="0"/>
-                <a:ea typeface="Tahoma" panose="020B0604030504040204" pitchFamily="34" charset="0"/>
-                <a:cs typeface="Arial" panose="020B0604020202020204" pitchFamily="34" charset="0"/>
-              </a:rPr>
               <a:t>giá</a:t>
             </a:r>
             <a:endParaRPr lang="vi-VN" dirty="0">
-              <a:solidFill>
-                <a:schemeClr val="bg1">
-                  <a:lumMod val="95000"/>
-                  <a:lumOff val="5000"/>
-                </a:schemeClr>
-              </a:solidFill>
               <a:latin typeface="Arial" panose="020B0604020202020204" pitchFamily="34" charset="0"/>
               <a:ea typeface="Tahoma" panose="020B0604030504040204" pitchFamily="34" charset="0"/>
               <a:cs typeface="Arial" panose="020B0604020202020204" pitchFamily="34" charset="0"/>
@@ -7322,7 +7983,7 @@
 </p:sld>
 </file>
 
-<file path=ppt/slides/slide5.xml><?xml version="1.0" encoding="utf-8"?>
+<file path=ppt/slides/slide6.xml><?xml version="1.0" encoding="utf-8"?>
 <p:sld xmlns:a="http://schemas.openxmlformats.org/drawingml/2006/main" xmlns:r="http://schemas.openxmlformats.org/officeDocument/2006/relationships" xmlns:p="http://schemas.openxmlformats.org/presentationml/2006/main">
   <p:cSld>
     <p:spTree>
@@ -7462,9 +8123,6 @@
             </a:pPr>
             <a:r>
               <a:rPr lang="en-US" dirty="0" err="1">
-                <a:solidFill>
-                  <a:schemeClr val="bg1"/>
-                </a:solidFill>
                 <a:latin typeface="Arial" panose="020B0604020202020204" pitchFamily="34" charset="0"/>
                 <a:ea typeface="Tahoma" panose="020B0604030504040204" pitchFamily="34" charset="0"/>
                 <a:cs typeface="Arial" panose="020B0604020202020204" pitchFamily="34" charset="0"/>
@@ -7473,9 +8131,6 @@
             </a:r>
             <a:r>
               <a:rPr lang="en-US" dirty="0">
-                <a:solidFill>
-                  <a:schemeClr val="bg1"/>
-                </a:solidFill>
                 <a:latin typeface="Arial" panose="020B0604020202020204" pitchFamily="34" charset="0"/>
                 <a:ea typeface="Tahoma" panose="020B0604030504040204" pitchFamily="34" charset="0"/>
                 <a:cs typeface="Arial" panose="020B0604020202020204" pitchFamily="34" charset="0"/>
@@ -7484,18 +8139,110 @@
             </a:r>
             <a:r>
               <a:rPr lang="en-US" dirty="0" err="1">
-                <a:solidFill>
-                  <a:schemeClr val="bg1"/>
-                </a:solidFill>
                 <a:latin typeface="Arial" panose="020B0604020202020204" pitchFamily="34" charset="0"/>
                 <a:ea typeface="Tahoma" panose="020B0604030504040204" pitchFamily="34" charset="0"/>
                 <a:cs typeface="Arial" panose="020B0604020202020204" pitchFamily="34" charset="0"/>
               </a:rPr>
               <a:t>thiệu</a:t>
+            </a:r>
+            <a:endParaRPr lang="en-US" dirty="0">
+              <a:latin typeface="Arial" panose="020B0604020202020204" pitchFamily="34" charset="0"/>
+              <a:ea typeface="Tahoma" panose="020B0604030504040204" pitchFamily="34" charset="0"/>
+              <a:cs typeface="Arial" panose="020B0604020202020204" pitchFamily="34" charset="0"/>
+            </a:endParaRPr>
+          </a:p>
+          <a:p>
+            <a:pPr marL="342900" indent="-342900">
+              <a:buFont typeface="+mj-lt"/>
+              <a:buAutoNum type="arabicPeriod"/>
+            </a:pPr>
+            <a:r>
+              <a:rPr lang="en-US" dirty="0" err="1">
+                <a:latin typeface="Arial" panose="020B0604020202020204" pitchFamily="34" charset="0"/>
+                <a:ea typeface="Tahoma" panose="020B0604030504040204" pitchFamily="34" charset="0"/>
+                <a:cs typeface="Arial" panose="020B0604020202020204" pitchFamily="34" charset="0"/>
+              </a:rPr>
+              <a:t>Tiền</a:t>
+            </a:r>
+            <a:r>
+              <a:rPr lang="en-US" dirty="0">
+                <a:latin typeface="Arial" panose="020B0604020202020204" pitchFamily="34" charset="0"/>
+                <a:ea typeface="Tahoma" panose="020B0604030504040204" pitchFamily="34" charset="0"/>
+                <a:cs typeface="Arial" panose="020B0604020202020204" pitchFamily="34" charset="0"/>
+              </a:rPr>
+              <a:t> </a:t>
+            </a:r>
+            <a:r>
+              <a:rPr lang="en-US" dirty="0" err="1">
+                <a:latin typeface="Arial" panose="020B0604020202020204" pitchFamily="34" charset="0"/>
+                <a:ea typeface="Tahoma" panose="020B0604030504040204" pitchFamily="34" charset="0"/>
+                <a:cs typeface="Arial" panose="020B0604020202020204" pitchFamily="34" charset="0"/>
+              </a:rPr>
+              <a:t>xử</a:t>
+            </a:r>
+            <a:r>
+              <a:rPr lang="en-US" dirty="0">
+                <a:latin typeface="Arial" panose="020B0604020202020204" pitchFamily="34" charset="0"/>
+                <a:ea typeface="Tahoma" panose="020B0604030504040204" pitchFamily="34" charset="0"/>
+                <a:cs typeface="Arial" panose="020B0604020202020204" pitchFamily="34" charset="0"/>
+              </a:rPr>
+              <a:t> </a:t>
+            </a:r>
+            <a:r>
+              <a:rPr lang="en-US" dirty="0" err="1">
+                <a:latin typeface="Arial" panose="020B0604020202020204" pitchFamily="34" charset="0"/>
+                <a:ea typeface="Tahoma" panose="020B0604030504040204" pitchFamily="34" charset="0"/>
+                <a:cs typeface="Arial" panose="020B0604020202020204" pitchFamily="34" charset="0"/>
+              </a:rPr>
+              <a:t>lý</a:t>
+            </a:r>
+            <a:endParaRPr lang="en-US" dirty="0">
+              <a:latin typeface="Arial" panose="020B0604020202020204" pitchFamily="34" charset="0"/>
+              <a:ea typeface="Tahoma" panose="020B0604030504040204" pitchFamily="34" charset="0"/>
+              <a:cs typeface="Arial" panose="020B0604020202020204" pitchFamily="34" charset="0"/>
+            </a:endParaRPr>
+          </a:p>
+          <a:p>
+            <a:pPr marL="342900" indent="-342900">
+              <a:buFont typeface="+mj-lt"/>
+              <a:buAutoNum type="arabicPeriod"/>
+            </a:pPr>
+            <a:r>
+              <a:rPr lang="en-US" dirty="0" err="1">
+                <a:solidFill>
+                  <a:srgbClr val="FFFF00"/>
+                </a:solidFill>
+                <a:latin typeface="Arial" panose="020B0604020202020204" pitchFamily="34" charset="0"/>
+                <a:ea typeface="Tahoma" panose="020B0604030504040204" pitchFamily="34" charset="0"/>
+                <a:cs typeface="Arial" panose="020B0604020202020204" pitchFamily="34" charset="0"/>
+              </a:rPr>
+              <a:t>Giải</a:t>
+            </a:r>
+            <a:r>
+              <a:rPr lang="en-US" dirty="0">
+                <a:solidFill>
+                  <a:srgbClr val="FFFF00"/>
+                </a:solidFill>
+                <a:latin typeface="Arial" panose="020B0604020202020204" pitchFamily="34" charset="0"/>
+                <a:ea typeface="Tahoma" panose="020B0604030504040204" pitchFamily="34" charset="0"/>
+                <a:cs typeface="Arial" panose="020B0604020202020204" pitchFamily="34" charset="0"/>
+              </a:rPr>
+              <a:t> </a:t>
+            </a:r>
+            <a:r>
+              <a:rPr lang="en-US" dirty="0" err="1">
+                <a:solidFill>
+                  <a:srgbClr val="FFFF00"/>
+                </a:solidFill>
+                <a:latin typeface="Arial" panose="020B0604020202020204" pitchFamily="34" charset="0"/>
+                <a:ea typeface="Tahoma" panose="020B0604030504040204" pitchFamily="34" charset="0"/>
+                <a:cs typeface="Arial" panose="020B0604020202020204" pitchFamily="34" charset="0"/>
+              </a:rPr>
+              <a:t>thuật</a:t>
             </a:r>
             <a:endParaRPr lang="en-US" dirty="0">
               <a:solidFill>
-                <a:schemeClr val="bg1"/>
+                <a:srgbClr val="FFFF00"/>
               </a:solidFill>
               <a:latin typeface="Arial" panose="020B0604020202020204" pitchFamily="34" charset="0"/>
               <a:ea typeface="Tahoma" panose="020B0604030504040204" pitchFamily="34" charset="0"/>
@@ -7509,20 +8256,14 @@
             </a:pPr>
             <a:r>
               <a:rPr lang="en-US" dirty="0" err="1">
-                <a:solidFill>
-                  <a:schemeClr val="bg1"/>
-                </a:solidFill>
                 <a:latin typeface="Arial" panose="020B0604020202020204" pitchFamily="34" charset="0"/>
                 <a:ea typeface="Tahoma" panose="020B0604030504040204" pitchFamily="34" charset="0"/>
                 <a:cs typeface="Arial" panose="020B0604020202020204" pitchFamily="34" charset="0"/>
               </a:rPr>
-              <a:t>Tiền</a:t>
+              <a:t>Đánh</a:t>
             </a:r>
             <a:r>
               <a:rPr lang="en-US" dirty="0">
-                <a:solidFill>
-                  <a:schemeClr val="bg1"/>
-                </a:solidFill>
                 <a:latin typeface="Arial" panose="020B0604020202020204" pitchFamily="34" charset="0"/>
                 <a:ea typeface="Tahoma" panose="020B0604030504040204" pitchFamily="34" charset="0"/>
                 <a:cs typeface="Arial" panose="020B0604020202020204" pitchFamily="34" charset="0"/>
@@ -7531,147 +8272,13 @@
             </a:r>
             <a:r>
               <a:rPr lang="en-US" dirty="0" err="1">
-                <a:solidFill>
-                  <a:schemeClr val="bg1"/>
-                </a:solidFill>
                 <a:latin typeface="Arial" panose="020B0604020202020204" pitchFamily="34" charset="0"/>
                 <a:ea typeface="Tahoma" panose="020B0604030504040204" pitchFamily="34" charset="0"/>
                 <a:cs typeface="Arial" panose="020B0604020202020204" pitchFamily="34" charset="0"/>
               </a:rPr>
-              <a:t>xử</a:t>
-            </a:r>
-            <a:r>
-              <a:rPr lang="en-US" dirty="0">
-                <a:solidFill>
-                  <a:schemeClr val="bg1"/>
-                </a:solidFill>
-                <a:latin typeface="Arial" panose="020B0604020202020204" pitchFamily="34" charset="0"/>
-                <a:ea typeface="Tahoma" panose="020B0604030504040204" pitchFamily="34" charset="0"/>
-                <a:cs typeface="Arial" panose="020B0604020202020204" pitchFamily="34" charset="0"/>
-              </a:rPr>
-              <a:t> </a:t>
-            </a:r>
-            <a:r>
-              <a:rPr lang="en-US" dirty="0" err="1">
-                <a:solidFill>
-                  <a:schemeClr val="bg1"/>
-                </a:solidFill>
-                <a:latin typeface="Arial" panose="020B0604020202020204" pitchFamily="34" charset="0"/>
-                <a:ea typeface="Tahoma" panose="020B0604030504040204" pitchFamily="34" charset="0"/>
-                <a:cs typeface="Arial" panose="020B0604020202020204" pitchFamily="34" charset="0"/>
-              </a:rPr>
-              <a:t>lý</a:t>
-            </a:r>
-            <a:endParaRPr lang="en-US" dirty="0">
-              <a:solidFill>
-                <a:schemeClr val="bg1"/>
-              </a:solidFill>
-              <a:latin typeface="Arial" panose="020B0604020202020204" pitchFamily="34" charset="0"/>
-              <a:ea typeface="Tahoma" panose="020B0604030504040204" pitchFamily="34" charset="0"/>
-              <a:cs typeface="Arial" panose="020B0604020202020204" pitchFamily="34" charset="0"/>
-            </a:endParaRPr>
-          </a:p>
-          <a:p>
-            <a:pPr marL="342900" indent="-342900">
-              <a:buFont typeface="+mj-lt"/>
-              <a:buAutoNum type="arabicPeriod"/>
-            </a:pPr>
-            <a:r>
-              <a:rPr lang="en-US" dirty="0" err="1">
-                <a:solidFill>
-                  <a:srgbClr val="FF0000"/>
-                </a:solidFill>
-                <a:latin typeface="Arial" panose="020B0604020202020204" pitchFamily="34" charset="0"/>
-                <a:ea typeface="Tahoma" panose="020B0604030504040204" pitchFamily="34" charset="0"/>
-                <a:cs typeface="Arial" panose="020B0604020202020204" pitchFamily="34" charset="0"/>
-              </a:rPr>
-              <a:t>Giải</a:t>
-            </a:r>
-            <a:r>
-              <a:rPr lang="en-US" dirty="0">
-                <a:solidFill>
-                  <a:srgbClr val="FF0000"/>
-                </a:solidFill>
-                <a:latin typeface="Arial" panose="020B0604020202020204" pitchFamily="34" charset="0"/>
-                <a:ea typeface="Tahoma" panose="020B0604030504040204" pitchFamily="34" charset="0"/>
-                <a:cs typeface="Arial" panose="020B0604020202020204" pitchFamily="34" charset="0"/>
-              </a:rPr>
-              <a:t> </a:t>
-            </a:r>
-            <a:r>
-              <a:rPr lang="en-US" dirty="0" err="1">
-                <a:solidFill>
-                  <a:srgbClr val="FF0000"/>
-                </a:solidFill>
-                <a:latin typeface="Arial" panose="020B0604020202020204" pitchFamily="34" charset="0"/>
-                <a:ea typeface="Tahoma" panose="020B0604030504040204" pitchFamily="34" charset="0"/>
-                <a:cs typeface="Arial" panose="020B0604020202020204" pitchFamily="34" charset="0"/>
-              </a:rPr>
-              <a:t>thuật</a:t>
-            </a:r>
-            <a:endParaRPr lang="en-US" dirty="0">
-              <a:solidFill>
-                <a:srgbClr val="FF0000"/>
-              </a:solidFill>
-              <a:latin typeface="Arial" panose="020B0604020202020204" pitchFamily="34" charset="0"/>
-              <a:ea typeface="Tahoma" panose="020B0604030504040204" pitchFamily="34" charset="0"/>
-              <a:cs typeface="Arial" panose="020B0604020202020204" pitchFamily="34" charset="0"/>
-            </a:endParaRPr>
-          </a:p>
-          <a:p>
-            <a:pPr marL="342900" indent="-342900">
-              <a:buFont typeface="+mj-lt"/>
-              <a:buAutoNum type="arabicPeriod"/>
-            </a:pPr>
-            <a:r>
-              <a:rPr lang="en-US" dirty="0" err="1">
-                <a:solidFill>
-                  <a:schemeClr val="bg1">
-                    <a:lumMod val="95000"/>
-                    <a:lumOff val="5000"/>
-                  </a:schemeClr>
-                </a:solidFill>
-                <a:latin typeface="Arial" panose="020B0604020202020204" pitchFamily="34" charset="0"/>
-                <a:ea typeface="Tahoma" panose="020B0604030504040204" pitchFamily="34" charset="0"/>
-                <a:cs typeface="Arial" panose="020B0604020202020204" pitchFamily="34" charset="0"/>
-              </a:rPr>
-              <a:t>Đánh</a:t>
-            </a:r>
-            <a:r>
-              <a:rPr lang="en-US" dirty="0">
-                <a:solidFill>
-                  <a:schemeClr val="bg1">
-                    <a:lumMod val="95000"/>
-                    <a:lumOff val="5000"/>
-                  </a:schemeClr>
-                </a:solidFill>
-                <a:latin typeface="Arial" panose="020B0604020202020204" pitchFamily="34" charset="0"/>
-                <a:ea typeface="Tahoma" panose="020B0604030504040204" pitchFamily="34" charset="0"/>
-                <a:cs typeface="Arial" panose="020B0604020202020204" pitchFamily="34" charset="0"/>
-              </a:rPr>
-              <a:t> </a:t>
-            </a:r>
-            <a:r>
-              <a:rPr lang="en-US" dirty="0" err="1">
-                <a:solidFill>
-                  <a:schemeClr val="bg1">
-                    <a:lumMod val="95000"/>
-                    <a:lumOff val="5000"/>
-                  </a:schemeClr>
-                </a:solidFill>
-                <a:latin typeface="Arial" panose="020B0604020202020204" pitchFamily="34" charset="0"/>
-                <a:ea typeface="Tahoma" panose="020B0604030504040204" pitchFamily="34" charset="0"/>
-                <a:cs typeface="Arial" panose="020B0604020202020204" pitchFamily="34" charset="0"/>
-              </a:rPr>
               <a:t>giá</a:t>
             </a:r>
             <a:endParaRPr lang="vi-VN" dirty="0">
-              <a:solidFill>
-                <a:schemeClr val="bg1">
-                  <a:lumMod val="95000"/>
-                  <a:lumOff val="5000"/>
-                </a:schemeClr>
-              </a:solidFill>
               <a:latin typeface="Arial" panose="020B0604020202020204" pitchFamily="34" charset="0"/>
               <a:ea typeface="Tahoma" panose="020B0604030504040204" pitchFamily="34" charset="0"/>
               <a:cs typeface="Arial" panose="020B0604020202020204" pitchFamily="34" charset="0"/>
@@ -7737,7 +8344,7 @@
 <file path=ppt/theme/theme1.xml><?xml version="1.0" encoding="utf-8"?>
 <a:theme xmlns:a="http://schemas.openxmlformats.org/drawingml/2006/main" name="Slice">
   <a:themeElements>
-    <a:clrScheme name="Slice">
+    <a:clrScheme name="Grayscale">
       <a:dk1>
         <a:sysClr val="windowText" lastClr="000000"/>
       </a:dk1>
@@ -7745,34 +8352,34 @@
         <a:sysClr val="window" lastClr="FFFFFF"/>
       </a:lt1>
       <a:dk2>
-        <a:srgbClr val="146194"/>
+        <a:srgbClr val="000000"/>
       </a:dk2>
       <a:lt2>
-        <a:srgbClr val="76DBF4"/>
+        <a:srgbClr val="F8F8F8"/>
       </a:lt2>
       <a:accent1>
-        <a:srgbClr val="052F61"/>
+        <a:srgbClr val="DDDDDD"/>
       </a:accent1>
       <a:accent2>
-        <a:srgbClr val="A50E82"/>
+        <a:srgbClr val="B2B2B2"/>
       </a:accent2>
       <a:accent3>
-        <a:srgbClr val="14967C"/>
+        <a:srgbClr val="969696"/>
       </a:accent3>
       <a:accent4>
-        <a:srgbClr val="6A9E1F"/>
+        <a:srgbClr val="808080"/>
       </a:accent4>
       <a:accent5>
-        <a:srgbClr val="E87D37"/>
+        <a:srgbClr val="5F5F5F"/>
       </a:accent5>
       <a:accent6>
-        <a:srgbClr val="C62324"/>
+        <a:srgbClr val="4D4D4D"/>
       </a:accent6>
       <a:hlink>
-        <a:srgbClr val="0D2E46"/>
+        <a:srgbClr val="5F5F5F"/>
       </a:hlink>
       <a:folHlink>
-        <a:srgbClr val="356A95"/>
+        <a:srgbClr val="919191"/>
       </a:folHlink>
     </a:clrScheme>
     <a:fontScheme name="Slice">
